--- a/ThomasBiorenPresentationDraft.pptx
+++ b/ThomasBiorenPresentationDraft.pptx
@@ -5,7 +5,7 @@
     <p:sldMasterId id="2147483648" r:id="rId1"/>
   </p:sldMasterIdLst>
   <p:notesMasterIdLst>
-    <p:notesMasterId r:id="rId27"/>
+    <p:notesMasterId r:id="rId34"/>
   </p:notesMasterIdLst>
   <p:sldIdLst>
     <p:sldId id="256" r:id="rId2"/>
@@ -29,10 +29,17 @@
     <p:sldId id="279" r:id="rId20"/>
     <p:sldId id="270" r:id="rId21"/>
     <p:sldId id="271" r:id="rId22"/>
-    <p:sldId id="272" r:id="rId23"/>
-    <p:sldId id="276" r:id="rId24"/>
-    <p:sldId id="277" r:id="rId25"/>
-    <p:sldId id="278" r:id="rId26"/>
+    <p:sldId id="290" r:id="rId23"/>
+    <p:sldId id="291" r:id="rId24"/>
+    <p:sldId id="292" r:id="rId25"/>
+    <p:sldId id="272" r:id="rId26"/>
+    <p:sldId id="276" r:id="rId27"/>
+    <p:sldId id="277" r:id="rId28"/>
+    <p:sldId id="278" r:id="rId29"/>
+    <p:sldId id="287" r:id="rId30"/>
+    <p:sldId id="288" r:id="rId31"/>
+    <p:sldId id="289" r:id="rId32"/>
+    <p:sldId id="293" r:id="rId33"/>
   </p:sldIdLst>
   <p:sldSz cx="12192000" cy="6858000"/>
   <p:notesSz cx="6858000" cy="9144000"/>
@@ -137,6 +144,1699 @@
     </p:ext>
   </p:extLst>
 </p:presentation>
+</file>
+
+<file path=ppt/charts/chart1.xml><?xml version="1.0" encoding="utf-8"?>
+<c:chartSpace xmlns:c="http://schemas.openxmlformats.org/drawingml/2006/chart" xmlns:a="http://schemas.openxmlformats.org/drawingml/2006/main" xmlns:r="http://schemas.openxmlformats.org/officeDocument/2006/relationships" xmlns:c16r2="http://schemas.microsoft.com/office/drawing/2015/06/chart">
+  <c:date1904 val="0"/>
+  <c:lang val="en-US"/>
+  <c:roundedCorners val="0"/>
+  <mc:AlternateContent xmlns:mc="http://schemas.openxmlformats.org/markup-compatibility/2006">
+    <mc:Choice xmlns:c14="http://schemas.microsoft.com/office/drawing/2007/8/2/chart" Requires="c14">
+      <c14:style val="102"/>
+    </mc:Choice>
+    <mc:Fallback>
+      <c:style val="2"/>
+    </mc:Fallback>
+  </mc:AlternateContent>
+  <c:chart>
+    <c:title>
+      <c:tx>
+        <c:rich>
+          <a:bodyPr rot="0" spcFirstLastPara="1" vertOverflow="ellipsis" vert="horz" wrap="square" anchor="ctr" anchorCtr="1"/>
+          <a:lstStyle/>
+          <a:p>
+            <a:pPr>
+              <a:defRPr sz="1400" b="0" i="0" u="none" strike="noStrike" kern="1200" spc="0" baseline="0">
+                <a:solidFill>
+                  <a:schemeClr val="tx1">
+                    <a:lumMod val="65000"/>
+                    <a:lumOff val="35000"/>
+                  </a:schemeClr>
+                </a:solidFill>
+                <a:latin typeface="+mn-lt"/>
+                <a:ea typeface="+mn-ea"/>
+                <a:cs typeface="+mn-cs"/>
+              </a:defRPr>
+            </a:pPr>
+            <a:r>
+              <a:rPr lang="en-US"/>
+              <a:t>Best and Average Score (Indirect</a:t>
+            </a:r>
+            <a:r>
+              <a:rPr lang="en-US" baseline="0"/>
+              <a:t> Encoding)</a:t>
+            </a:r>
+            <a:endParaRPr lang="en-US"/>
+          </a:p>
+        </c:rich>
+      </c:tx>
+      <c:overlay val="0"/>
+      <c:spPr>
+        <a:noFill/>
+        <a:ln>
+          <a:noFill/>
+        </a:ln>
+        <a:effectLst/>
+      </c:spPr>
+      <c:txPr>
+        <a:bodyPr rot="0" spcFirstLastPara="1" vertOverflow="ellipsis" vert="horz" wrap="square" anchor="ctr" anchorCtr="1"/>
+        <a:lstStyle/>
+        <a:p>
+          <a:pPr>
+            <a:defRPr sz="1400" b="0" i="0" u="none" strike="noStrike" kern="1200" spc="0" baseline="0">
+              <a:solidFill>
+                <a:schemeClr val="tx1">
+                  <a:lumMod val="65000"/>
+                  <a:lumOff val="35000"/>
+                </a:schemeClr>
+              </a:solidFill>
+              <a:latin typeface="+mn-lt"/>
+              <a:ea typeface="+mn-ea"/>
+              <a:cs typeface="+mn-cs"/>
+            </a:defRPr>
+          </a:pPr>
+          <a:endParaRPr lang="en-US"/>
+        </a:p>
+      </c:txPr>
+    </c:title>
+    <c:autoTitleDeleted val="0"/>
+    <c:plotArea>
+      <c:layout/>
+      <c:lineChart>
+        <c:grouping val="standard"/>
+        <c:varyColors val="0"/>
+        <c:ser>
+          <c:idx val="0"/>
+          <c:order val="0"/>
+          <c:tx>
+            <c:strRef>
+              <c:f>scores_clean!$B$1</c:f>
+              <c:strCache>
+                <c:ptCount val="1"/>
+                <c:pt idx="0">
+                  <c:v>Average Score</c:v>
+                </c:pt>
+              </c:strCache>
+            </c:strRef>
+          </c:tx>
+          <c:spPr>
+            <a:ln w="28575" cap="rnd">
+              <a:solidFill>
+                <a:schemeClr val="accent1"/>
+              </a:solidFill>
+              <a:round/>
+            </a:ln>
+            <a:effectLst/>
+          </c:spPr>
+          <c:marker>
+            <c:symbol val="none"/>
+          </c:marker>
+          <c:cat>
+            <c:numRef>
+              <c:f>scores_clean!$A$2:$A$65</c:f>
+              <c:numCache>
+                <c:formatCode>General</c:formatCode>
+                <c:ptCount val="64"/>
+                <c:pt idx="0">
+                  <c:v>0</c:v>
+                </c:pt>
+                <c:pt idx="1">
+                  <c:v>1</c:v>
+                </c:pt>
+                <c:pt idx="2">
+                  <c:v>2</c:v>
+                </c:pt>
+                <c:pt idx="3">
+                  <c:v>3</c:v>
+                </c:pt>
+                <c:pt idx="4">
+                  <c:v>4</c:v>
+                </c:pt>
+                <c:pt idx="5">
+                  <c:v>5</c:v>
+                </c:pt>
+                <c:pt idx="6">
+                  <c:v>6</c:v>
+                </c:pt>
+                <c:pt idx="7">
+                  <c:v>7</c:v>
+                </c:pt>
+                <c:pt idx="8">
+                  <c:v>8</c:v>
+                </c:pt>
+                <c:pt idx="9">
+                  <c:v>9</c:v>
+                </c:pt>
+                <c:pt idx="10">
+                  <c:v>10</c:v>
+                </c:pt>
+                <c:pt idx="11">
+                  <c:v>11</c:v>
+                </c:pt>
+                <c:pt idx="12">
+                  <c:v>12</c:v>
+                </c:pt>
+                <c:pt idx="13">
+                  <c:v>13</c:v>
+                </c:pt>
+                <c:pt idx="14">
+                  <c:v>14</c:v>
+                </c:pt>
+                <c:pt idx="15">
+                  <c:v>15</c:v>
+                </c:pt>
+                <c:pt idx="16">
+                  <c:v>16</c:v>
+                </c:pt>
+                <c:pt idx="17">
+                  <c:v>17</c:v>
+                </c:pt>
+                <c:pt idx="18">
+                  <c:v>18</c:v>
+                </c:pt>
+                <c:pt idx="19">
+                  <c:v>19</c:v>
+                </c:pt>
+                <c:pt idx="20">
+                  <c:v>20</c:v>
+                </c:pt>
+                <c:pt idx="21">
+                  <c:v>21</c:v>
+                </c:pt>
+                <c:pt idx="22">
+                  <c:v>22</c:v>
+                </c:pt>
+                <c:pt idx="23">
+                  <c:v>23</c:v>
+                </c:pt>
+                <c:pt idx="24">
+                  <c:v>24</c:v>
+                </c:pt>
+                <c:pt idx="25">
+                  <c:v>25</c:v>
+                </c:pt>
+                <c:pt idx="26">
+                  <c:v>26</c:v>
+                </c:pt>
+                <c:pt idx="27">
+                  <c:v>27</c:v>
+                </c:pt>
+                <c:pt idx="28">
+                  <c:v>28</c:v>
+                </c:pt>
+                <c:pt idx="29">
+                  <c:v>29</c:v>
+                </c:pt>
+                <c:pt idx="30">
+                  <c:v>30</c:v>
+                </c:pt>
+                <c:pt idx="31">
+                  <c:v>31</c:v>
+                </c:pt>
+                <c:pt idx="32">
+                  <c:v>32</c:v>
+                </c:pt>
+                <c:pt idx="33">
+                  <c:v>33</c:v>
+                </c:pt>
+                <c:pt idx="34">
+                  <c:v>34</c:v>
+                </c:pt>
+                <c:pt idx="35">
+                  <c:v>35</c:v>
+                </c:pt>
+                <c:pt idx="36">
+                  <c:v>36</c:v>
+                </c:pt>
+                <c:pt idx="37">
+                  <c:v>37</c:v>
+                </c:pt>
+                <c:pt idx="38">
+                  <c:v>38</c:v>
+                </c:pt>
+                <c:pt idx="39">
+                  <c:v>39</c:v>
+                </c:pt>
+                <c:pt idx="40">
+                  <c:v>40</c:v>
+                </c:pt>
+                <c:pt idx="41">
+                  <c:v>41</c:v>
+                </c:pt>
+                <c:pt idx="42">
+                  <c:v>42</c:v>
+                </c:pt>
+                <c:pt idx="43">
+                  <c:v>43</c:v>
+                </c:pt>
+                <c:pt idx="44">
+                  <c:v>44</c:v>
+                </c:pt>
+                <c:pt idx="45">
+                  <c:v>45</c:v>
+                </c:pt>
+                <c:pt idx="46">
+                  <c:v>46</c:v>
+                </c:pt>
+                <c:pt idx="47">
+                  <c:v>47</c:v>
+                </c:pt>
+                <c:pt idx="48">
+                  <c:v>48</c:v>
+                </c:pt>
+                <c:pt idx="49">
+                  <c:v>49</c:v>
+                </c:pt>
+                <c:pt idx="50">
+                  <c:v>50</c:v>
+                </c:pt>
+                <c:pt idx="51">
+                  <c:v>51</c:v>
+                </c:pt>
+                <c:pt idx="52">
+                  <c:v>52</c:v>
+                </c:pt>
+                <c:pt idx="53">
+                  <c:v>53</c:v>
+                </c:pt>
+                <c:pt idx="54">
+                  <c:v>54</c:v>
+                </c:pt>
+                <c:pt idx="55">
+                  <c:v>55</c:v>
+                </c:pt>
+                <c:pt idx="56">
+                  <c:v>56</c:v>
+                </c:pt>
+                <c:pt idx="57">
+                  <c:v>57</c:v>
+                </c:pt>
+                <c:pt idx="58">
+                  <c:v>58</c:v>
+                </c:pt>
+                <c:pt idx="59">
+                  <c:v>59</c:v>
+                </c:pt>
+                <c:pt idx="60">
+                  <c:v>60</c:v>
+                </c:pt>
+                <c:pt idx="61">
+                  <c:v>61</c:v>
+                </c:pt>
+                <c:pt idx="62">
+                  <c:v>62</c:v>
+                </c:pt>
+                <c:pt idx="63">
+                  <c:v>63</c:v>
+                </c:pt>
+              </c:numCache>
+            </c:numRef>
+          </c:cat>
+          <c:val>
+            <c:numRef>
+              <c:f>scores_clean!$B$2:$B$65</c:f>
+              <c:numCache>
+                <c:formatCode>General</c:formatCode>
+                <c:ptCount val="64"/>
+                <c:pt idx="0">
+                  <c:v>0</c:v>
+                </c:pt>
+                <c:pt idx="1">
+                  <c:v>4.3750000000000004E-3</c:v>
+                </c:pt>
+                <c:pt idx="2">
+                  <c:v>2.5624999999999998E-2</c:v>
+                </c:pt>
+                <c:pt idx="3">
+                  <c:v>3.875E-2</c:v>
+                </c:pt>
+                <c:pt idx="4">
+                  <c:v>7.4374999999999997E-2</c:v>
+                </c:pt>
+                <c:pt idx="5">
+                  <c:v>8.5625000000000007E-2</c:v>
+                </c:pt>
+                <c:pt idx="6">
+                  <c:v>0.13500000000000001</c:v>
+                </c:pt>
+                <c:pt idx="7">
+                  <c:v>0.28000000000000003</c:v>
+                </c:pt>
+                <c:pt idx="8">
+                  <c:v>0.36062499999999997</c:v>
+                </c:pt>
+                <c:pt idx="9">
+                  <c:v>0.35312500000000002</c:v>
+                </c:pt>
+                <c:pt idx="10">
+                  <c:v>0.37437500000000001</c:v>
+                </c:pt>
+                <c:pt idx="11">
+                  <c:v>0.37687500000000002</c:v>
+                </c:pt>
+                <c:pt idx="12">
+                  <c:v>0.33437499999999998</c:v>
+                </c:pt>
+                <c:pt idx="13">
+                  <c:v>0.328125</c:v>
+                </c:pt>
+                <c:pt idx="14">
+                  <c:v>0.31374999999999997</c:v>
+                </c:pt>
+                <c:pt idx="15">
+                  <c:v>0.35499999999999998</c:v>
+                </c:pt>
+                <c:pt idx="16">
+                  <c:v>0.35125000000000001</c:v>
+                </c:pt>
+                <c:pt idx="17">
+                  <c:v>0.33687499999999998</c:v>
+                </c:pt>
+                <c:pt idx="18">
+                  <c:v>0.32374999999999998</c:v>
+                </c:pt>
+                <c:pt idx="19">
+                  <c:v>0.31937500000000002</c:v>
+                </c:pt>
+                <c:pt idx="20">
+                  <c:v>0.323125</c:v>
+                </c:pt>
+                <c:pt idx="21">
+                  <c:v>0.34187499999999998</c:v>
+                </c:pt>
+                <c:pt idx="22">
+                  <c:v>0.28625</c:v>
+                </c:pt>
+                <c:pt idx="23">
+                  <c:v>0.330625</c:v>
+                </c:pt>
+                <c:pt idx="24">
+                  <c:v>0.33812500000000001</c:v>
+                </c:pt>
+                <c:pt idx="25">
+                  <c:v>0.34</c:v>
+                </c:pt>
+                <c:pt idx="26">
+                  <c:v>0.35187499999999999</c:v>
+                </c:pt>
+                <c:pt idx="27">
+                  <c:v>0.35375000000000001</c:v>
+                </c:pt>
+                <c:pt idx="28">
+                  <c:v>0.36062499999999997</c:v>
+                </c:pt>
+                <c:pt idx="29">
+                  <c:v>0.32624999999999998</c:v>
+                </c:pt>
+                <c:pt idx="30">
+                  <c:v>0.35562500000000002</c:v>
+                </c:pt>
+                <c:pt idx="31">
+                  <c:v>0.33437499999999998</c:v>
+                </c:pt>
+                <c:pt idx="32">
+                  <c:v>0.36875000000000002</c:v>
+                </c:pt>
+                <c:pt idx="33">
+                  <c:v>0.35062500000000002</c:v>
+                </c:pt>
+                <c:pt idx="34">
+                  <c:v>0.34</c:v>
+                </c:pt>
+                <c:pt idx="35">
+                  <c:v>0.34187499999999998</c:v>
+                </c:pt>
+                <c:pt idx="36">
+                  <c:v>0.35562500000000002</c:v>
+                </c:pt>
+                <c:pt idx="37">
+                  <c:v>0.33437499999999998</c:v>
+                </c:pt>
+                <c:pt idx="38">
+                  <c:v>0.33187499999999998</c:v>
+                </c:pt>
+                <c:pt idx="39">
+                  <c:v>0.38312499999999999</c:v>
+                </c:pt>
+                <c:pt idx="40">
+                  <c:v>0.38374999999999998</c:v>
+                </c:pt>
+                <c:pt idx="41">
+                  <c:v>0.42875000000000002</c:v>
+                </c:pt>
+                <c:pt idx="42">
+                  <c:v>0.45</c:v>
+                </c:pt>
+                <c:pt idx="43">
+                  <c:v>0.49562499999999998</c:v>
+                </c:pt>
+                <c:pt idx="44">
+                  <c:v>0.53625</c:v>
+                </c:pt>
+                <c:pt idx="45">
+                  <c:v>0.54562500000000003</c:v>
+                </c:pt>
+                <c:pt idx="46">
+                  <c:v>0.56000000000000005</c:v>
+                </c:pt>
+                <c:pt idx="47">
+                  <c:v>0.541875</c:v>
+                </c:pt>
+                <c:pt idx="48">
+                  <c:v>0.57750000000000001</c:v>
+                </c:pt>
+                <c:pt idx="49">
+                  <c:v>0.58062499999999995</c:v>
+                </c:pt>
+                <c:pt idx="50">
+                  <c:v>0.57499999999999996</c:v>
+                </c:pt>
+                <c:pt idx="51">
+                  <c:v>0.578125</c:v>
+                </c:pt>
+                <c:pt idx="52">
+                  <c:v>0.63812500000000005</c:v>
+                </c:pt>
+                <c:pt idx="53">
+                  <c:v>0.65062500000000001</c:v>
+                </c:pt>
+                <c:pt idx="54">
+                  <c:v>0.69374999999999998</c:v>
+                </c:pt>
+                <c:pt idx="55">
+                  <c:v>0.64500000000000002</c:v>
+                </c:pt>
+                <c:pt idx="56">
+                  <c:v>0.70374999999999999</c:v>
+                </c:pt>
+                <c:pt idx="57">
+                  <c:v>0.65187499999999998</c:v>
+                </c:pt>
+                <c:pt idx="58">
+                  <c:v>0.68812499999999999</c:v>
+                </c:pt>
+                <c:pt idx="59">
+                  <c:v>0.7</c:v>
+                </c:pt>
+                <c:pt idx="60">
+                  <c:v>0.70687500000000003</c:v>
+                </c:pt>
+                <c:pt idx="61">
+                  <c:v>0.65500000000000003</c:v>
+                </c:pt>
+                <c:pt idx="62">
+                  <c:v>0.75</c:v>
+                </c:pt>
+                <c:pt idx="63">
+                  <c:v>0.71062499999999995</c:v>
+                </c:pt>
+              </c:numCache>
+            </c:numRef>
+          </c:val>
+          <c:smooth val="0"/>
+          <c:extLst>
+            <c:ext xmlns:c16="http://schemas.microsoft.com/office/drawing/2014/chart" uri="{C3380CC4-5D6E-409C-BE32-E72D297353CC}">
+              <c16:uniqueId val="{00000000-F119-9242-A607-870671F065F2}"/>
+            </c:ext>
+          </c:extLst>
+        </c:ser>
+        <c:ser>
+          <c:idx val="1"/>
+          <c:order val="1"/>
+          <c:tx>
+            <c:strRef>
+              <c:f>scores_clean!$C$1</c:f>
+              <c:strCache>
+                <c:ptCount val="1"/>
+                <c:pt idx="0">
+                  <c:v>Best Score</c:v>
+                </c:pt>
+              </c:strCache>
+            </c:strRef>
+          </c:tx>
+          <c:spPr>
+            <a:ln w="28575" cap="rnd">
+              <a:solidFill>
+                <a:schemeClr val="accent2"/>
+              </a:solidFill>
+              <a:round/>
+            </a:ln>
+            <a:effectLst/>
+          </c:spPr>
+          <c:marker>
+            <c:symbol val="none"/>
+          </c:marker>
+          <c:cat>
+            <c:numRef>
+              <c:f>scores_clean!$A$2:$A$65</c:f>
+              <c:numCache>
+                <c:formatCode>General</c:formatCode>
+                <c:ptCount val="64"/>
+                <c:pt idx="0">
+                  <c:v>0</c:v>
+                </c:pt>
+                <c:pt idx="1">
+                  <c:v>1</c:v>
+                </c:pt>
+                <c:pt idx="2">
+                  <c:v>2</c:v>
+                </c:pt>
+                <c:pt idx="3">
+                  <c:v>3</c:v>
+                </c:pt>
+                <c:pt idx="4">
+                  <c:v>4</c:v>
+                </c:pt>
+                <c:pt idx="5">
+                  <c:v>5</c:v>
+                </c:pt>
+                <c:pt idx="6">
+                  <c:v>6</c:v>
+                </c:pt>
+                <c:pt idx="7">
+                  <c:v>7</c:v>
+                </c:pt>
+                <c:pt idx="8">
+                  <c:v>8</c:v>
+                </c:pt>
+                <c:pt idx="9">
+                  <c:v>9</c:v>
+                </c:pt>
+                <c:pt idx="10">
+                  <c:v>10</c:v>
+                </c:pt>
+                <c:pt idx="11">
+                  <c:v>11</c:v>
+                </c:pt>
+                <c:pt idx="12">
+                  <c:v>12</c:v>
+                </c:pt>
+                <c:pt idx="13">
+                  <c:v>13</c:v>
+                </c:pt>
+                <c:pt idx="14">
+                  <c:v>14</c:v>
+                </c:pt>
+                <c:pt idx="15">
+                  <c:v>15</c:v>
+                </c:pt>
+                <c:pt idx="16">
+                  <c:v>16</c:v>
+                </c:pt>
+                <c:pt idx="17">
+                  <c:v>17</c:v>
+                </c:pt>
+                <c:pt idx="18">
+                  <c:v>18</c:v>
+                </c:pt>
+                <c:pt idx="19">
+                  <c:v>19</c:v>
+                </c:pt>
+                <c:pt idx="20">
+                  <c:v>20</c:v>
+                </c:pt>
+                <c:pt idx="21">
+                  <c:v>21</c:v>
+                </c:pt>
+                <c:pt idx="22">
+                  <c:v>22</c:v>
+                </c:pt>
+                <c:pt idx="23">
+                  <c:v>23</c:v>
+                </c:pt>
+                <c:pt idx="24">
+                  <c:v>24</c:v>
+                </c:pt>
+                <c:pt idx="25">
+                  <c:v>25</c:v>
+                </c:pt>
+                <c:pt idx="26">
+                  <c:v>26</c:v>
+                </c:pt>
+                <c:pt idx="27">
+                  <c:v>27</c:v>
+                </c:pt>
+                <c:pt idx="28">
+                  <c:v>28</c:v>
+                </c:pt>
+                <c:pt idx="29">
+                  <c:v>29</c:v>
+                </c:pt>
+                <c:pt idx="30">
+                  <c:v>30</c:v>
+                </c:pt>
+                <c:pt idx="31">
+                  <c:v>31</c:v>
+                </c:pt>
+                <c:pt idx="32">
+                  <c:v>32</c:v>
+                </c:pt>
+                <c:pt idx="33">
+                  <c:v>33</c:v>
+                </c:pt>
+                <c:pt idx="34">
+                  <c:v>34</c:v>
+                </c:pt>
+                <c:pt idx="35">
+                  <c:v>35</c:v>
+                </c:pt>
+                <c:pt idx="36">
+                  <c:v>36</c:v>
+                </c:pt>
+                <c:pt idx="37">
+                  <c:v>37</c:v>
+                </c:pt>
+                <c:pt idx="38">
+                  <c:v>38</c:v>
+                </c:pt>
+                <c:pt idx="39">
+                  <c:v>39</c:v>
+                </c:pt>
+                <c:pt idx="40">
+                  <c:v>40</c:v>
+                </c:pt>
+                <c:pt idx="41">
+                  <c:v>41</c:v>
+                </c:pt>
+                <c:pt idx="42">
+                  <c:v>42</c:v>
+                </c:pt>
+                <c:pt idx="43">
+                  <c:v>43</c:v>
+                </c:pt>
+                <c:pt idx="44">
+                  <c:v>44</c:v>
+                </c:pt>
+                <c:pt idx="45">
+                  <c:v>45</c:v>
+                </c:pt>
+                <c:pt idx="46">
+                  <c:v>46</c:v>
+                </c:pt>
+                <c:pt idx="47">
+                  <c:v>47</c:v>
+                </c:pt>
+                <c:pt idx="48">
+                  <c:v>48</c:v>
+                </c:pt>
+                <c:pt idx="49">
+                  <c:v>49</c:v>
+                </c:pt>
+                <c:pt idx="50">
+                  <c:v>50</c:v>
+                </c:pt>
+                <c:pt idx="51">
+                  <c:v>51</c:v>
+                </c:pt>
+                <c:pt idx="52">
+                  <c:v>52</c:v>
+                </c:pt>
+                <c:pt idx="53">
+                  <c:v>53</c:v>
+                </c:pt>
+                <c:pt idx="54">
+                  <c:v>54</c:v>
+                </c:pt>
+                <c:pt idx="55">
+                  <c:v>55</c:v>
+                </c:pt>
+                <c:pt idx="56">
+                  <c:v>56</c:v>
+                </c:pt>
+                <c:pt idx="57">
+                  <c:v>57</c:v>
+                </c:pt>
+                <c:pt idx="58">
+                  <c:v>58</c:v>
+                </c:pt>
+                <c:pt idx="59">
+                  <c:v>59</c:v>
+                </c:pt>
+                <c:pt idx="60">
+                  <c:v>60</c:v>
+                </c:pt>
+                <c:pt idx="61">
+                  <c:v>61</c:v>
+                </c:pt>
+                <c:pt idx="62">
+                  <c:v>62</c:v>
+                </c:pt>
+                <c:pt idx="63">
+                  <c:v>63</c:v>
+                </c:pt>
+              </c:numCache>
+            </c:numRef>
+          </c:cat>
+          <c:val>
+            <c:numRef>
+              <c:f>scores_clean!$C$2:$C$65</c:f>
+              <c:numCache>
+                <c:formatCode>General</c:formatCode>
+                <c:ptCount val="64"/>
+                <c:pt idx="0">
+                  <c:v>0</c:v>
+                </c:pt>
+                <c:pt idx="1">
+                  <c:v>0.4375</c:v>
+                </c:pt>
+                <c:pt idx="2">
+                  <c:v>0.4375</c:v>
+                </c:pt>
+                <c:pt idx="3">
+                  <c:v>0.4375</c:v>
+                </c:pt>
+                <c:pt idx="4">
+                  <c:v>0.4375</c:v>
+                </c:pt>
+                <c:pt idx="5">
+                  <c:v>0.4375</c:v>
+                </c:pt>
+                <c:pt idx="6">
+                  <c:v>0.4375</c:v>
+                </c:pt>
+                <c:pt idx="7">
+                  <c:v>0.4375</c:v>
+                </c:pt>
+                <c:pt idx="8">
+                  <c:v>0.4375</c:v>
+                </c:pt>
+                <c:pt idx="9">
+                  <c:v>0.5625</c:v>
+                </c:pt>
+                <c:pt idx="10">
+                  <c:v>0.4375</c:v>
+                </c:pt>
+                <c:pt idx="11">
+                  <c:v>0.4375</c:v>
+                </c:pt>
+                <c:pt idx="12">
+                  <c:v>0.5625</c:v>
+                </c:pt>
+                <c:pt idx="13">
+                  <c:v>0.5625</c:v>
+                </c:pt>
+                <c:pt idx="14">
+                  <c:v>0.4375</c:v>
+                </c:pt>
+                <c:pt idx="15">
+                  <c:v>0.4375</c:v>
+                </c:pt>
+                <c:pt idx="16">
+                  <c:v>0.5625</c:v>
+                </c:pt>
+                <c:pt idx="17">
+                  <c:v>0.4375</c:v>
+                </c:pt>
+                <c:pt idx="18">
+                  <c:v>0.4375</c:v>
+                </c:pt>
+                <c:pt idx="19">
+                  <c:v>0.4375</c:v>
+                </c:pt>
+                <c:pt idx="20">
+                  <c:v>0.4375</c:v>
+                </c:pt>
+                <c:pt idx="21">
+                  <c:v>0.4375</c:v>
+                </c:pt>
+                <c:pt idx="22">
+                  <c:v>0.4375</c:v>
+                </c:pt>
+                <c:pt idx="23">
+                  <c:v>0.4375</c:v>
+                </c:pt>
+                <c:pt idx="24">
+                  <c:v>0.4375</c:v>
+                </c:pt>
+                <c:pt idx="25">
+                  <c:v>0.4375</c:v>
+                </c:pt>
+                <c:pt idx="26">
+                  <c:v>0.5625</c:v>
+                </c:pt>
+                <c:pt idx="27">
+                  <c:v>0.5625</c:v>
+                </c:pt>
+                <c:pt idx="28">
+                  <c:v>0.4375</c:v>
+                </c:pt>
+                <c:pt idx="29">
+                  <c:v>0.4375</c:v>
+                </c:pt>
+                <c:pt idx="30">
+                  <c:v>0.4375</c:v>
+                </c:pt>
+                <c:pt idx="31">
+                  <c:v>0.4375</c:v>
+                </c:pt>
+                <c:pt idx="32">
+                  <c:v>0.4375</c:v>
+                </c:pt>
+                <c:pt idx="33">
+                  <c:v>0.4375</c:v>
+                </c:pt>
+                <c:pt idx="34">
+                  <c:v>0.4375</c:v>
+                </c:pt>
+                <c:pt idx="35">
+                  <c:v>0.4375</c:v>
+                </c:pt>
+                <c:pt idx="36">
+                  <c:v>0.4375</c:v>
+                </c:pt>
+                <c:pt idx="37">
+                  <c:v>0.5625</c:v>
+                </c:pt>
+                <c:pt idx="38">
+                  <c:v>0.625</c:v>
+                </c:pt>
+                <c:pt idx="39">
+                  <c:v>0.625</c:v>
+                </c:pt>
+                <c:pt idx="40">
+                  <c:v>0.625</c:v>
+                </c:pt>
+                <c:pt idx="41">
+                  <c:v>0.625</c:v>
+                </c:pt>
+                <c:pt idx="42">
+                  <c:v>0.6875</c:v>
+                </c:pt>
+                <c:pt idx="43">
+                  <c:v>0.6875</c:v>
+                </c:pt>
+                <c:pt idx="44">
+                  <c:v>0.75</c:v>
+                </c:pt>
+                <c:pt idx="45">
+                  <c:v>0.75</c:v>
+                </c:pt>
+                <c:pt idx="46">
+                  <c:v>0.75</c:v>
+                </c:pt>
+                <c:pt idx="47">
+                  <c:v>0.75</c:v>
+                </c:pt>
+                <c:pt idx="48">
+                  <c:v>0.75</c:v>
+                </c:pt>
+                <c:pt idx="49">
+                  <c:v>0.8125</c:v>
+                </c:pt>
+                <c:pt idx="50">
+                  <c:v>0.8125</c:v>
+                </c:pt>
+                <c:pt idx="51">
+                  <c:v>0.8125</c:v>
+                </c:pt>
+                <c:pt idx="52">
+                  <c:v>0.8125</c:v>
+                </c:pt>
+                <c:pt idx="53">
+                  <c:v>0.8125</c:v>
+                </c:pt>
+                <c:pt idx="54">
+                  <c:v>0.875</c:v>
+                </c:pt>
+                <c:pt idx="55">
+                  <c:v>0.875</c:v>
+                </c:pt>
+                <c:pt idx="56">
+                  <c:v>0.875</c:v>
+                </c:pt>
+                <c:pt idx="57">
+                  <c:v>0.875</c:v>
+                </c:pt>
+                <c:pt idx="58">
+                  <c:v>0.875</c:v>
+                </c:pt>
+                <c:pt idx="59">
+                  <c:v>0.875</c:v>
+                </c:pt>
+                <c:pt idx="60">
+                  <c:v>0.875</c:v>
+                </c:pt>
+                <c:pt idx="61">
+                  <c:v>0.9375</c:v>
+                </c:pt>
+                <c:pt idx="62">
+                  <c:v>0.9375</c:v>
+                </c:pt>
+                <c:pt idx="63">
+                  <c:v>0.9375</c:v>
+                </c:pt>
+              </c:numCache>
+            </c:numRef>
+          </c:val>
+          <c:smooth val="0"/>
+          <c:extLst>
+            <c:ext xmlns:c16="http://schemas.microsoft.com/office/drawing/2014/chart" uri="{C3380CC4-5D6E-409C-BE32-E72D297353CC}">
+              <c16:uniqueId val="{00000001-F119-9242-A607-870671F065F2}"/>
+            </c:ext>
+          </c:extLst>
+        </c:ser>
+        <c:dLbls>
+          <c:showLegendKey val="0"/>
+          <c:showVal val="0"/>
+          <c:showCatName val="0"/>
+          <c:showSerName val="0"/>
+          <c:showPercent val="0"/>
+          <c:showBubbleSize val="0"/>
+        </c:dLbls>
+        <c:smooth val="0"/>
+        <c:axId val="573398016"/>
+        <c:axId val="573399360"/>
+      </c:lineChart>
+      <c:catAx>
+        <c:axId val="573398016"/>
+        <c:scaling>
+          <c:orientation val="minMax"/>
+        </c:scaling>
+        <c:delete val="0"/>
+        <c:axPos val="b"/>
+        <c:numFmt formatCode="General" sourceLinked="1"/>
+        <c:majorTickMark val="none"/>
+        <c:minorTickMark val="none"/>
+        <c:tickLblPos val="nextTo"/>
+        <c:spPr>
+          <a:noFill/>
+          <a:ln w="9525" cap="flat" cmpd="sng" algn="ctr">
+            <a:solidFill>
+              <a:schemeClr val="tx1">
+                <a:lumMod val="15000"/>
+                <a:lumOff val="85000"/>
+              </a:schemeClr>
+            </a:solidFill>
+            <a:round/>
+          </a:ln>
+          <a:effectLst/>
+        </c:spPr>
+        <c:txPr>
+          <a:bodyPr rot="-60000000" spcFirstLastPara="1" vertOverflow="ellipsis" vert="horz" wrap="square" anchor="ctr" anchorCtr="1"/>
+          <a:lstStyle/>
+          <a:p>
+            <a:pPr>
+              <a:defRPr sz="900" b="0" i="0" u="none" strike="noStrike" kern="1200" baseline="0">
+                <a:solidFill>
+                  <a:schemeClr val="tx1">
+                    <a:lumMod val="65000"/>
+                    <a:lumOff val="35000"/>
+                  </a:schemeClr>
+                </a:solidFill>
+                <a:latin typeface="+mn-lt"/>
+                <a:ea typeface="+mn-ea"/>
+                <a:cs typeface="+mn-cs"/>
+              </a:defRPr>
+            </a:pPr>
+            <a:endParaRPr lang="en-US"/>
+          </a:p>
+        </c:txPr>
+        <c:crossAx val="573399360"/>
+        <c:crosses val="autoZero"/>
+        <c:auto val="1"/>
+        <c:lblAlgn val="ctr"/>
+        <c:lblOffset val="100"/>
+        <c:tickLblSkip val="10"/>
+        <c:tickMarkSkip val="1"/>
+        <c:noMultiLvlLbl val="0"/>
+      </c:catAx>
+      <c:valAx>
+        <c:axId val="573399360"/>
+        <c:scaling>
+          <c:orientation val="minMax"/>
+        </c:scaling>
+        <c:delete val="0"/>
+        <c:axPos val="l"/>
+        <c:majorGridlines>
+          <c:spPr>
+            <a:ln w="9525" cap="flat" cmpd="sng" algn="ctr">
+              <a:solidFill>
+                <a:schemeClr val="tx1">
+                  <a:lumMod val="15000"/>
+                  <a:lumOff val="85000"/>
+                </a:schemeClr>
+              </a:solidFill>
+              <a:round/>
+            </a:ln>
+            <a:effectLst/>
+          </c:spPr>
+        </c:majorGridlines>
+        <c:numFmt formatCode="General" sourceLinked="1"/>
+        <c:majorTickMark val="none"/>
+        <c:minorTickMark val="none"/>
+        <c:tickLblPos val="nextTo"/>
+        <c:spPr>
+          <a:noFill/>
+          <a:ln>
+            <a:noFill/>
+          </a:ln>
+          <a:effectLst/>
+        </c:spPr>
+        <c:txPr>
+          <a:bodyPr rot="-60000000" spcFirstLastPara="1" vertOverflow="ellipsis" vert="horz" wrap="square" anchor="ctr" anchorCtr="1"/>
+          <a:lstStyle/>
+          <a:p>
+            <a:pPr>
+              <a:defRPr sz="900" b="0" i="0" u="none" strike="noStrike" kern="1200" baseline="0">
+                <a:solidFill>
+                  <a:schemeClr val="tx1">
+                    <a:lumMod val="65000"/>
+                    <a:lumOff val="35000"/>
+                  </a:schemeClr>
+                </a:solidFill>
+                <a:latin typeface="+mn-lt"/>
+                <a:ea typeface="+mn-ea"/>
+                <a:cs typeface="+mn-cs"/>
+              </a:defRPr>
+            </a:pPr>
+            <a:endParaRPr lang="en-US"/>
+          </a:p>
+        </c:txPr>
+        <c:crossAx val="573398016"/>
+        <c:crosses val="autoZero"/>
+        <c:crossBetween val="between"/>
+      </c:valAx>
+      <c:spPr>
+        <a:noFill/>
+        <a:ln>
+          <a:noFill/>
+        </a:ln>
+        <a:effectLst/>
+      </c:spPr>
+    </c:plotArea>
+    <c:legend>
+      <c:legendPos val="b"/>
+      <c:overlay val="0"/>
+      <c:spPr>
+        <a:noFill/>
+        <a:ln>
+          <a:noFill/>
+        </a:ln>
+        <a:effectLst/>
+      </c:spPr>
+      <c:txPr>
+        <a:bodyPr rot="0" spcFirstLastPara="1" vertOverflow="ellipsis" vert="horz" wrap="square" anchor="ctr" anchorCtr="1"/>
+        <a:lstStyle/>
+        <a:p>
+          <a:pPr>
+            <a:defRPr sz="900" b="0" i="0" u="none" strike="noStrike" kern="1200" baseline="0">
+              <a:solidFill>
+                <a:schemeClr val="tx1">
+                  <a:lumMod val="65000"/>
+                  <a:lumOff val="35000"/>
+                </a:schemeClr>
+              </a:solidFill>
+              <a:latin typeface="+mn-lt"/>
+              <a:ea typeface="+mn-ea"/>
+              <a:cs typeface="+mn-cs"/>
+            </a:defRPr>
+          </a:pPr>
+          <a:endParaRPr lang="en-US"/>
+        </a:p>
+      </c:txPr>
+    </c:legend>
+    <c:plotVisOnly val="1"/>
+    <c:dispBlanksAs val="gap"/>
+    <c:showDLblsOverMax val="0"/>
+  </c:chart>
+  <c:spPr>
+    <a:noFill/>
+    <a:ln>
+      <a:noFill/>
+    </a:ln>
+    <a:effectLst/>
+  </c:spPr>
+  <c:txPr>
+    <a:bodyPr/>
+    <a:lstStyle/>
+    <a:p>
+      <a:pPr>
+        <a:defRPr/>
+      </a:pPr>
+      <a:endParaRPr lang="en-US"/>
+    </a:p>
+  </c:txPr>
+  <c:externalData r:id="rId3">
+    <c:autoUpdate val="0"/>
+  </c:externalData>
+</c:chartSpace>
+</file>
+
+<file path=ppt/charts/colors1.xml><?xml version="1.0" encoding="utf-8"?>
+<cs:colorStyle xmlns:cs="http://schemas.microsoft.com/office/drawing/2012/chartStyle" xmlns:a="http://schemas.openxmlformats.org/drawingml/2006/main" meth="cycle" id="10">
+  <a:schemeClr val="accent1"/>
+  <a:schemeClr val="accent2"/>
+  <a:schemeClr val="accent3"/>
+  <a:schemeClr val="accent4"/>
+  <a:schemeClr val="accent5"/>
+  <a:schemeClr val="accent6"/>
+  <cs:variation/>
+  <cs:variation>
+    <a:lumMod val="60000"/>
+  </cs:variation>
+  <cs:variation>
+    <a:lumMod val="80000"/>
+    <a:lumOff val="20000"/>
+  </cs:variation>
+  <cs:variation>
+    <a:lumMod val="80000"/>
+  </cs:variation>
+  <cs:variation>
+    <a:lumMod val="60000"/>
+    <a:lumOff val="40000"/>
+  </cs:variation>
+  <cs:variation>
+    <a:lumMod val="50000"/>
+  </cs:variation>
+  <cs:variation>
+    <a:lumMod val="70000"/>
+    <a:lumOff val="30000"/>
+  </cs:variation>
+  <cs:variation>
+    <a:lumMod val="70000"/>
+  </cs:variation>
+  <cs:variation>
+    <a:lumMod val="50000"/>
+    <a:lumOff val="50000"/>
+  </cs:variation>
+</cs:colorStyle>
+</file>
+
+<file path=ppt/charts/style1.xml><?xml version="1.0" encoding="utf-8"?>
+<cs:chartStyle xmlns:cs="http://schemas.microsoft.com/office/drawing/2012/chartStyle" xmlns:a="http://schemas.openxmlformats.org/drawingml/2006/main" id="227">
+  <cs:axisTitle>
+    <cs:lnRef idx="0"/>
+    <cs:fillRef idx="0"/>
+    <cs:effectRef idx="0"/>
+    <cs:fontRef idx="minor">
+      <a:schemeClr val="tx1">
+        <a:lumMod val="65000"/>
+        <a:lumOff val="35000"/>
+      </a:schemeClr>
+    </cs:fontRef>
+    <cs:defRPr sz="1000" kern="1200"/>
+  </cs:axisTitle>
+  <cs:categoryAxis>
+    <cs:lnRef idx="0"/>
+    <cs:fillRef idx="0"/>
+    <cs:effectRef idx="0"/>
+    <cs:fontRef idx="minor">
+      <a:schemeClr val="tx1">
+        <a:lumMod val="65000"/>
+        <a:lumOff val="35000"/>
+      </a:schemeClr>
+    </cs:fontRef>
+    <cs:spPr>
+      <a:ln w="9525" cap="flat" cmpd="sng" algn="ctr">
+        <a:solidFill>
+          <a:schemeClr val="tx1">
+            <a:lumMod val="15000"/>
+            <a:lumOff val="85000"/>
+          </a:schemeClr>
+        </a:solidFill>
+        <a:round/>
+      </a:ln>
+    </cs:spPr>
+    <cs:defRPr sz="900" kern="1200"/>
+  </cs:categoryAxis>
+  <cs:chartArea mods="allowNoFillOverride allowNoLineOverride">
+    <cs:lnRef idx="0"/>
+    <cs:fillRef idx="0"/>
+    <cs:effectRef idx="0"/>
+    <cs:fontRef idx="minor">
+      <a:schemeClr val="tx1"/>
+    </cs:fontRef>
+    <cs:spPr>
+      <a:solidFill>
+        <a:schemeClr val="bg1"/>
+      </a:solidFill>
+      <a:ln w="9525" cap="flat" cmpd="sng" algn="ctr">
+        <a:solidFill>
+          <a:schemeClr val="tx1">
+            <a:lumMod val="15000"/>
+            <a:lumOff val="85000"/>
+          </a:schemeClr>
+        </a:solidFill>
+        <a:round/>
+      </a:ln>
+    </cs:spPr>
+    <cs:defRPr sz="1000" kern="1200"/>
+  </cs:chartArea>
+  <cs:dataLabel>
+    <cs:lnRef idx="0"/>
+    <cs:fillRef idx="0"/>
+    <cs:effectRef idx="0"/>
+    <cs:fontRef idx="minor">
+      <a:schemeClr val="tx1">
+        <a:lumMod val="75000"/>
+        <a:lumOff val="25000"/>
+      </a:schemeClr>
+    </cs:fontRef>
+    <cs:defRPr sz="900" kern="1200"/>
+  </cs:dataLabel>
+  <cs:dataLabelCallout>
+    <cs:lnRef idx="0"/>
+    <cs:fillRef idx="0"/>
+    <cs:effectRef idx="0"/>
+    <cs:fontRef idx="minor">
+      <a:schemeClr val="dk1">
+        <a:lumMod val="65000"/>
+        <a:lumOff val="35000"/>
+      </a:schemeClr>
+    </cs:fontRef>
+    <cs:spPr>
+      <a:solidFill>
+        <a:schemeClr val="lt1"/>
+      </a:solidFill>
+      <a:ln>
+        <a:solidFill>
+          <a:schemeClr val="dk1">
+            <a:lumMod val="25000"/>
+            <a:lumOff val="75000"/>
+          </a:schemeClr>
+        </a:solidFill>
+      </a:ln>
+    </cs:spPr>
+    <cs:defRPr sz="900" kern="1200"/>
+    <cs:bodyPr rot="0" spcFirstLastPara="1" vertOverflow="clip" horzOverflow="clip" vert="horz" wrap="square" lIns="36576" tIns="18288" rIns="36576" bIns="18288" anchor="ctr" anchorCtr="1">
+      <a:spAutoFit/>
+    </cs:bodyPr>
+  </cs:dataLabelCallout>
+  <cs:dataPoint>
+    <cs:lnRef idx="0"/>
+    <cs:fillRef idx="1">
+      <cs:styleClr val="auto"/>
+    </cs:fillRef>
+    <cs:effectRef idx="0"/>
+    <cs:fontRef idx="minor">
+      <a:schemeClr val="tx1"/>
+    </cs:fontRef>
+    <cs:spPr>
+      <a:solidFill>
+        <a:schemeClr val="phClr"/>
+      </a:solidFill>
+    </cs:spPr>
+  </cs:dataPoint>
+  <cs:dataPoint3D>
+    <cs:lnRef idx="0"/>
+    <cs:fillRef idx="1">
+      <cs:styleClr val="auto"/>
+    </cs:fillRef>
+    <cs:effectRef idx="0"/>
+    <cs:fontRef idx="minor">
+      <a:schemeClr val="tx1"/>
+    </cs:fontRef>
+    <cs:spPr>
+      <a:solidFill>
+        <a:schemeClr val="phClr"/>
+      </a:solidFill>
+    </cs:spPr>
+  </cs:dataPoint3D>
+  <cs:dataPointLine>
+    <cs:lnRef idx="0">
+      <cs:styleClr val="auto"/>
+    </cs:lnRef>
+    <cs:fillRef idx="1"/>
+    <cs:effectRef idx="0"/>
+    <cs:fontRef idx="minor">
+      <a:schemeClr val="tx1"/>
+    </cs:fontRef>
+    <cs:spPr>
+      <a:ln w="28575" cap="rnd">
+        <a:solidFill>
+          <a:schemeClr val="phClr"/>
+        </a:solidFill>
+        <a:round/>
+      </a:ln>
+    </cs:spPr>
+  </cs:dataPointLine>
+  <cs:dataPointMarker>
+    <cs:lnRef idx="0">
+      <cs:styleClr val="auto"/>
+    </cs:lnRef>
+    <cs:fillRef idx="1">
+      <cs:styleClr val="auto"/>
+    </cs:fillRef>
+    <cs:effectRef idx="0"/>
+    <cs:fontRef idx="minor">
+      <a:schemeClr val="tx1"/>
+    </cs:fontRef>
+    <cs:spPr>
+      <a:solidFill>
+        <a:schemeClr val="phClr"/>
+      </a:solidFill>
+      <a:ln w="9525">
+        <a:solidFill>
+          <a:schemeClr val="phClr"/>
+        </a:solidFill>
+      </a:ln>
+    </cs:spPr>
+  </cs:dataPointMarker>
+  <cs:dataPointMarkerLayout symbol="circle" size="5"/>
+  <cs:dataPointWireframe>
+    <cs:lnRef idx="0">
+      <cs:styleClr val="auto"/>
+    </cs:lnRef>
+    <cs:fillRef idx="1"/>
+    <cs:effectRef idx="0"/>
+    <cs:fontRef idx="minor">
+      <a:schemeClr val="tx1"/>
+    </cs:fontRef>
+    <cs:spPr>
+      <a:ln w="9525" cap="rnd">
+        <a:solidFill>
+          <a:schemeClr val="phClr"/>
+        </a:solidFill>
+        <a:round/>
+      </a:ln>
+    </cs:spPr>
+  </cs:dataPointWireframe>
+  <cs:dataTable>
+    <cs:lnRef idx="0"/>
+    <cs:fillRef idx="0"/>
+    <cs:effectRef idx="0"/>
+    <cs:fontRef idx="minor">
+      <a:schemeClr val="tx1">
+        <a:lumMod val="65000"/>
+        <a:lumOff val="35000"/>
+      </a:schemeClr>
+    </cs:fontRef>
+    <cs:spPr>
+      <a:noFill/>
+      <a:ln w="9525" cap="flat" cmpd="sng" algn="ctr">
+        <a:solidFill>
+          <a:schemeClr val="tx1">
+            <a:lumMod val="15000"/>
+            <a:lumOff val="85000"/>
+          </a:schemeClr>
+        </a:solidFill>
+        <a:round/>
+      </a:ln>
+    </cs:spPr>
+    <cs:defRPr sz="900" kern="1200"/>
+  </cs:dataTable>
+  <cs:downBar>
+    <cs:lnRef idx="0"/>
+    <cs:fillRef idx="0"/>
+    <cs:effectRef idx="0"/>
+    <cs:fontRef idx="minor">
+      <a:schemeClr val="dk1"/>
+    </cs:fontRef>
+    <cs:spPr>
+      <a:solidFill>
+        <a:schemeClr val="dk1">
+          <a:lumMod val="65000"/>
+          <a:lumOff val="35000"/>
+        </a:schemeClr>
+      </a:solidFill>
+      <a:ln w="9525">
+        <a:solidFill>
+          <a:schemeClr val="tx1">
+            <a:lumMod val="65000"/>
+            <a:lumOff val="35000"/>
+          </a:schemeClr>
+        </a:solidFill>
+      </a:ln>
+    </cs:spPr>
+  </cs:downBar>
+  <cs:dropLine>
+    <cs:lnRef idx="0"/>
+    <cs:fillRef idx="0"/>
+    <cs:effectRef idx="0"/>
+    <cs:fontRef idx="minor">
+      <a:schemeClr val="tx1"/>
+    </cs:fontRef>
+    <cs:spPr>
+      <a:ln w="9525" cap="flat" cmpd="sng" algn="ctr">
+        <a:solidFill>
+          <a:schemeClr val="tx1">
+            <a:lumMod val="35000"/>
+            <a:lumOff val="65000"/>
+          </a:schemeClr>
+        </a:solidFill>
+        <a:round/>
+      </a:ln>
+    </cs:spPr>
+  </cs:dropLine>
+  <cs:errorBar>
+    <cs:lnRef idx="0"/>
+    <cs:fillRef idx="0"/>
+    <cs:effectRef idx="0"/>
+    <cs:fontRef idx="minor">
+      <a:schemeClr val="tx1"/>
+    </cs:fontRef>
+    <cs:spPr>
+      <a:ln w="9525" cap="flat" cmpd="sng" algn="ctr">
+        <a:solidFill>
+          <a:schemeClr val="tx1">
+            <a:lumMod val="65000"/>
+            <a:lumOff val="35000"/>
+          </a:schemeClr>
+        </a:solidFill>
+        <a:round/>
+      </a:ln>
+    </cs:spPr>
+  </cs:errorBar>
+  <cs:floor>
+    <cs:lnRef idx="0"/>
+    <cs:fillRef idx="0"/>
+    <cs:effectRef idx="0"/>
+    <cs:fontRef idx="minor">
+      <a:schemeClr val="tx1"/>
+    </cs:fontRef>
+    <cs:spPr>
+      <a:noFill/>
+      <a:ln>
+        <a:noFill/>
+      </a:ln>
+    </cs:spPr>
+  </cs:floor>
+  <cs:gridlineMajor>
+    <cs:lnRef idx="0"/>
+    <cs:fillRef idx="0"/>
+    <cs:effectRef idx="0"/>
+    <cs:fontRef idx="minor">
+      <a:schemeClr val="tx1"/>
+    </cs:fontRef>
+    <cs:spPr>
+      <a:ln w="9525" cap="flat" cmpd="sng" algn="ctr">
+        <a:solidFill>
+          <a:schemeClr val="tx1">
+            <a:lumMod val="15000"/>
+            <a:lumOff val="85000"/>
+          </a:schemeClr>
+        </a:solidFill>
+        <a:round/>
+      </a:ln>
+    </cs:spPr>
+  </cs:gridlineMajor>
+  <cs:gridlineMinor>
+    <cs:lnRef idx="0"/>
+    <cs:fillRef idx="0"/>
+    <cs:effectRef idx="0"/>
+    <cs:fontRef idx="minor">
+      <a:schemeClr val="tx1"/>
+    </cs:fontRef>
+    <cs:spPr>
+      <a:ln w="9525" cap="flat" cmpd="sng" algn="ctr">
+        <a:solidFill>
+          <a:schemeClr val="tx1">
+            <a:lumMod val="5000"/>
+            <a:lumOff val="95000"/>
+          </a:schemeClr>
+        </a:solidFill>
+        <a:round/>
+      </a:ln>
+    </cs:spPr>
+  </cs:gridlineMinor>
+  <cs:hiLoLine>
+    <cs:lnRef idx="0"/>
+    <cs:fillRef idx="0"/>
+    <cs:effectRef idx="0"/>
+    <cs:fontRef idx="minor">
+      <a:schemeClr val="tx1"/>
+    </cs:fontRef>
+    <cs:spPr>
+      <a:ln w="9525" cap="flat" cmpd="sng" algn="ctr">
+        <a:solidFill>
+          <a:schemeClr val="tx1">
+            <a:lumMod val="75000"/>
+            <a:lumOff val="25000"/>
+          </a:schemeClr>
+        </a:solidFill>
+        <a:round/>
+      </a:ln>
+    </cs:spPr>
+  </cs:hiLoLine>
+  <cs:leaderLine>
+    <cs:lnRef idx="0"/>
+    <cs:fillRef idx="0"/>
+    <cs:effectRef idx="0"/>
+    <cs:fontRef idx="minor">
+      <a:schemeClr val="tx1"/>
+    </cs:fontRef>
+    <cs:spPr>
+      <a:ln w="9525" cap="flat" cmpd="sng" algn="ctr">
+        <a:solidFill>
+          <a:schemeClr val="tx1">
+            <a:lumMod val="35000"/>
+            <a:lumOff val="65000"/>
+          </a:schemeClr>
+        </a:solidFill>
+        <a:round/>
+      </a:ln>
+    </cs:spPr>
+  </cs:leaderLine>
+  <cs:legend>
+    <cs:lnRef idx="0"/>
+    <cs:fillRef idx="0"/>
+    <cs:effectRef idx="0"/>
+    <cs:fontRef idx="minor">
+      <a:schemeClr val="tx1">
+        <a:lumMod val="65000"/>
+        <a:lumOff val="35000"/>
+      </a:schemeClr>
+    </cs:fontRef>
+    <cs:defRPr sz="900" kern="1200"/>
+  </cs:legend>
+  <cs:plotArea mods="allowNoFillOverride allowNoLineOverride">
+    <cs:lnRef idx="0"/>
+    <cs:fillRef idx="0"/>
+    <cs:effectRef idx="0"/>
+    <cs:fontRef idx="minor">
+      <a:schemeClr val="tx1"/>
+    </cs:fontRef>
+  </cs:plotArea>
+  <cs:plotArea3D mods="allowNoFillOverride allowNoLineOverride">
+    <cs:lnRef idx="0"/>
+    <cs:fillRef idx="0"/>
+    <cs:effectRef idx="0"/>
+    <cs:fontRef idx="minor">
+      <a:schemeClr val="tx1"/>
+    </cs:fontRef>
+  </cs:plotArea3D>
+  <cs:seriesAxis>
+    <cs:lnRef idx="0"/>
+    <cs:fillRef idx="0"/>
+    <cs:effectRef idx="0"/>
+    <cs:fontRef idx="minor">
+      <a:schemeClr val="tx1">
+        <a:lumMod val="65000"/>
+        <a:lumOff val="35000"/>
+      </a:schemeClr>
+    </cs:fontRef>
+    <cs:defRPr sz="900" kern="1200"/>
+  </cs:seriesAxis>
+  <cs:seriesLine>
+    <cs:lnRef idx="0"/>
+    <cs:fillRef idx="0"/>
+    <cs:effectRef idx="0"/>
+    <cs:fontRef idx="minor">
+      <a:schemeClr val="tx1"/>
+    </cs:fontRef>
+    <cs:spPr>
+      <a:ln w="9525" cap="flat" cmpd="sng" algn="ctr">
+        <a:solidFill>
+          <a:schemeClr val="tx1">
+            <a:lumMod val="35000"/>
+            <a:lumOff val="65000"/>
+          </a:schemeClr>
+        </a:solidFill>
+        <a:round/>
+      </a:ln>
+    </cs:spPr>
+  </cs:seriesLine>
+  <cs:title>
+    <cs:lnRef idx="0"/>
+    <cs:fillRef idx="0"/>
+    <cs:effectRef idx="0"/>
+    <cs:fontRef idx="minor">
+      <a:schemeClr val="tx1">
+        <a:lumMod val="65000"/>
+        <a:lumOff val="35000"/>
+      </a:schemeClr>
+    </cs:fontRef>
+    <cs:defRPr sz="1400" b="0" kern="1200" spc="0" baseline="0"/>
+  </cs:title>
+  <cs:trendline>
+    <cs:lnRef idx="0">
+      <cs:styleClr val="auto"/>
+    </cs:lnRef>
+    <cs:fillRef idx="0"/>
+    <cs:effectRef idx="0"/>
+    <cs:fontRef idx="minor">
+      <a:schemeClr val="tx1"/>
+    </cs:fontRef>
+    <cs:spPr>
+      <a:ln w="19050" cap="rnd">
+        <a:solidFill>
+          <a:schemeClr val="phClr"/>
+        </a:solidFill>
+        <a:prstDash val="sysDot"/>
+      </a:ln>
+    </cs:spPr>
+  </cs:trendline>
+  <cs:trendlineLabel>
+    <cs:lnRef idx="0"/>
+    <cs:fillRef idx="0"/>
+    <cs:effectRef idx="0"/>
+    <cs:fontRef idx="minor">
+      <a:schemeClr val="tx1">
+        <a:lumMod val="65000"/>
+        <a:lumOff val="35000"/>
+      </a:schemeClr>
+    </cs:fontRef>
+    <cs:defRPr sz="900" kern="1200"/>
+  </cs:trendlineLabel>
+  <cs:upBar>
+    <cs:lnRef idx="0"/>
+    <cs:fillRef idx="0"/>
+    <cs:effectRef idx="0"/>
+    <cs:fontRef idx="minor">
+      <a:schemeClr val="dk1"/>
+    </cs:fontRef>
+    <cs:spPr>
+      <a:solidFill>
+        <a:schemeClr val="lt1"/>
+      </a:solidFill>
+      <a:ln w="9525">
+        <a:solidFill>
+          <a:schemeClr val="tx1">
+            <a:lumMod val="15000"/>
+            <a:lumOff val="85000"/>
+          </a:schemeClr>
+        </a:solidFill>
+      </a:ln>
+    </cs:spPr>
+  </cs:upBar>
+  <cs:valueAxis>
+    <cs:lnRef idx="0"/>
+    <cs:fillRef idx="0"/>
+    <cs:effectRef idx="0"/>
+    <cs:fontRef idx="minor">
+      <a:schemeClr val="tx1">
+        <a:lumMod val="65000"/>
+        <a:lumOff val="35000"/>
+      </a:schemeClr>
+    </cs:fontRef>
+    <cs:defRPr sz="900" kern="1200"/>
+  </cs:valueAxis>
+  <cs:wall>
+    <cs:lnRef idx="0"/>
+    <cs:fillRef idx="0"/>
+    <cs:effectRef idx="0"/>
+    <cs:fontRef idx="minor">
+      <a:schemeClr val="tx1"/>
+    </cs:fontRef>
+    <cs:spPr>
+      <a:noFill/>
+      <a:ln>
+        <a:noFill/>
+      </a:ln>
+    </cs:spPr>
+  </cs:wall>
+</cs:chartStyle>
 </file>
 
 <file path=ppt/diagrams/colors1.xml><?xml version="1.0" encoding="utf-8"?>
@@ -7151,7 +8851,7 @@
           <a:p>
             <a:fld id="{45C03D80-6690-0D4D-85EB-76D4E248A7E7}" type="slidenum">
               <a:rPr lang="en-US" smtClean="0"/>
-              <a:t>25</a:t>
+              <a:t>28</a:t>
             </a:fld>
             <a:endParaRPr lang="en-US"/>
           </a:p>
@@ -12140,6 +13840,469 @@
 </file>
 
 <file path=ppt/slides/slide22.xml><?xml version="1.0" encoding="utf-8"?>
+<p:sld xmlns:a="http://schemas.openxmlformats.org/drawingml/2006/main" xmlns:r="http://schemas.openxmlformats.org/officeDocument/2006/relationships" xmlns:p="http://schemas.openxmlformats.org/presentationml/2006/main" show="0">
+  <p:cSld>
+    <p:spTree>
+      <p:nvGrpSpPr>
+        <p:cNvPr id="1" name=""/>
+        <p:cNvGrpSpPr/>
+        <p:nvPr/>
+      </p:nvGrpSpPr>
+      <p:grpSpPr>
+        <a:xfrm>
+          <a:off x="0" y="0"/>
+          <a:ext cx="0" cy="0"/>
+          <a:chOff x="0" y="0"/>
+          <a:chExt cx="0" cy="0"/>
+        </a:xfrm>
+      </p:grpSpPr>
+      <p:sp>
+        <p:nvSpPr>
+          <p:cNvPr id="2" name="Title 1">
+            <a:extLst>
+              <a:ext uri="{FF2B5EF4-FFF2-40B4-BE49-F238E27FC236}">
+                <a16:creationId xmlns:a16="http://schemas.microsoft.com/office/drawing/2014/main" id="{E87E46F6-CADB-7F46-AFD2-276E6736C469}"/>
+              </a:ext>
+            </a:extLst>
+          </p:cNvPr>
+          <p:cNvSpPr>
+            <a:spLocks noGrp="1"/>
+          </p:cNvSpPr>
+          <p:nvPr>
+            <p:ph type="title"/>
+          </p:nvPr>
+        </p:nvSpPr>
+        <p:spPr/>
+        <p:txBody>
+          <a:bodyPr/>
+          <a:lstStyle/>
+          <a:p>
+            <a:r>
+              <a:rPr lang="en-US" dirty="0"/>
+              <a:t>Example: Tracing (1,2)</a:t>
+            </a:r>
+          </a:p>
+        </p:txBody>
+      </p:sp>
+      <p:sp>
+        <p:nvSpPr>
+          <p:cNvPr id="8" name="Text Placeholder 7">
+            <a:extLst>
+              <a:ext uri="{FF2B5EF4-FFF2-40B4-BE49-F238E27FC236}">
+                <a16:creationId xmlns:a16="http://schemas.microsoft.com/office/drawing/2014/main" id="{423A1394-9BE0-A5F2-0D35-570CAA305E06}"/>
+              </a:ext>
+            </a:extLst>
+          </p:cNvPr>
+          <p:cNvSpPr>
+            <a:spLocks noGrp="1"/>
+          </p:cNvSpPr>
+          <p:nvPr>
+            <p:ph type="body" sz="half" idx="2"/>
+          </p:nvPr>
+        </p:nvSpPr>
+        <p:spPr/>
+        <p:txBody>
+          <a:bodyPr/>
+          <a:lstStyle/>
+          <a:p>
+            <a:pPr marL="285750" indent="-285750">
+              <a:buFontTx/>
+              <a:buChar char="-"/>
+            </a:pPr>
+            <a:r>
+              <a:rPr lang="en-US" dirty="0"/>
+              <a:t>Anything without an input is driven low.</a:t>
+            </a:r>
+          </a:p>
+          <a:p>
+            <a:pPr marL="285750" indent="-285750">
+              <a:buFontTx/>
+              <a:buChar char="-"/>
+            </a:pPr>
+            <a:r>
+              <a:rPr lang="en-US" dirty="0"/>
+              <a:t>External IO connections are not shown on graph.</a:t>
+            </a:r>
+          </a:p>
+        </p:txBody>
+      </p:sp>
+      <p:pic>
+        <p:nvPicPr>
+          <p:cNvPr id="22" name="Content Placeholder 21">
+            <a:extLst>
+              <a:ext uri="{FF2B5EF4-FFF2-40B4-BE49-F238E27FC236}">
+                <a16:creationId xmlns:a16="http://schemas.microsoft.com/office/drawing/2014/main" id="{F1C76858-175F-93E1-1CA3-2FFFEC9161C8}"/>
+              </a:ext>
+            </a:extLst>
+          </p:cNvPr>
+          <p:cNvPicPr>
+            <a:picLocks noGrp="1" noChangeAspect="1"/>
+          </p:cNvPicPr>
+          <p:nvPr>
+            <p:ph idx="1"/>
+          </p:nvPr>
+        </p:nvPicPr>
+        <p:blipFill>
+          <a:blip r:embed="rId2"/>
+          <a:stretch>
+            <a:fillRect/>
+          </a:stretch>
+        </p:blipFill>
+        <p:spPr>
+          <a:xfrm>
+            <a:off x="6692402" y="1733266"/>
+            <a:ext cx="4026431" cy="2489460"/>
+          </a:xfrm>
+          <a:prstGeom prst="rect">
+            <a:avLst/>
+          </a:prstGeom>
+        </p:spPr>
+      </p:pic>
+    </p:spTree>
+    <p:extLst>
+      <p:ext uri="{BB962C8B-B14F-4D97-AF65-F5344CB8AC3E}">
+        <p14:creationId xmlns:p14="http://schemas.microsoft.com/office/powerpoint/2010/main" val="1339595118"/>
+      </p:ext>
+    </p:extLst>
+  </p:cSld>
+  <p:clrMapOvr>
+    <a:masterClrMapping/>
+  </p:clrMapOvr>
+</p:sld>
+</file>
+
+<file path=ppt/slides/slide23.xml><?xml version="1.0" encoding="utf-8"?>
+<p:sld xmlns:a="http://schemas.openxmlformats.org/drawingml/2006/main" xmlns:r="http://schemas.openxmlformats.org/officeDocument/2006/relationships" xmlns:p="http://schemas.openxmlformats.org/presentationml/2006/main" show="0">
+  <p:cSld>
+    <p:spTree>
+      <p:nvGrpSpPr>
+        <p:cNvPr id="1" name=""/>
+        <p:cNvGrpSpPr/>
+        <p:nvPr/>
+      </p:nvGrpSpPr>
+      <p:grpSpPr>
+        <a:xfrm>
+          <a:off x="0" y="0"/>
+          <a:ext cx="0" cy="0"/>
+          <a:chOff x="0" y="0"/>
+          <a:chExt cx="0" cy="0"/>
+        </a:xfrm>
+      </p:grpSpPr>
+      <p:sp>
+        <p:nvSpPr>
+          <p:cNvPr id="2" name="Title 1">
+            <a:extLst>
+              <a:ext uri="{FF2B5EF4-FFF2-40B4-BE49-F238E27FC236}">
+                <a16:creationId xmlns:a16="http://schemas.microsoft.com/office/drawing/2014/main" id="{E28ED0E7-269E-A719-CF38-350B0B673A50}"/>
+              </a:ext>
+            </a:extLst>
+          </p:cNvPr>
+          <p:cNvSpPr>
+            <a:spLocks noGrp="1"/>
+          </p:cNvSpPr>
+          <p:nvPr>
+            <p:ph type="title"/>
+          </p:nvPr>
+        </p:nvSpPr>
+        <p:spPr/>
+        <p:txBody>
+          <a:bodyPr/>
+          <a:lstStyle/>
+          <a:p>
+            <a:r>
+              <a:rPr lang="en-US" dirty="0"/>
+              <a:t>Conversion to Verilog</a:t>
+            </a:r>
+          </a:p>
+        </p:txBody>
+      </p:sp>
+      <p:sp>
+        <p:nvSpPr>
+          <p:cNvPr id="4" name="Text Placeholder 3">
+            <a:extLst>
+              <a:ext uri="{FF2B5EF4-FFF2-40B4-BE49-F238E27FC236}">
+                <a16:creationId xmlns:a16="http://schemas.microsoft.com/office/drawing/2014/main" id="{241382AF-DE2D-D513-E80A-3B744F2BC4C0}"/>
+              </a:ext>
+            </a:extLst>
+          </p:cNvPr>
+          <p:cNvSpPr>
+            <a:spLocks noGrp="1"/>
+          </p:cNvSpPr>
+          <p:nvPr>
+            <p:ph type="body" sz="half" idx="2"/>
+          </p:nvPr>
+        </p:nvSpPr>
+        <p:spPr/>
+        <p:txBody>
+          <a:bodyPr/>
+          <a:lstStyle/>
+          <a:p>
+            <a:pPr marL="285750" indent="-285750">
+              <a:buFontTx/>
+              <a:buChar char="-"/>
+            </a:pPr>
+            <a:r>
+              <a:rPr lang="en-US" dirty="0"/>
+              <a:t>(* keep, </a:t>
+            </a:r>
+            <a:r>
+              <a:rPr lang="en-US" dirty="0" err="1"/>
+              <a:t>dont_touch</a:t>
+            </a:r>
+            <a:r>
+              <a:rPr lang="en-US" dirty="0"/>
+              <a:t> *) stops </a:t>
+            </a:r>
+            <a:r>
+              <a:rPr lang="en-US" dirty="0" err="1"/>
+              <a:t>Yosys</a:t>
+            </a:r>
+            <a:r>
+              <a:rPr lang="en-US" dirty="0"/>
+              <a:t> from optimizing.</a:t>
+            </a:r>
+          </a:p>
+          <a:p>
+            <a:pPr marL="285750" indent="-285750">
+              <a:buFontTx/>
+              <a:buChar char="-"/>
+            </a:pPr>
+            <a:r>
+              <a:rPr lang="en-US" dirty="0"/>
+              <a:t>(* BEL = “X1/Y1/lc0” *) is the address of the LUT I’m referencing.</a:t>
+            </a:r>
+          </a:p>
+          <a:p>
+            <a:pPr marL="285750" indent="-285750">
+              <a:buFontTx/>
+              <a:buChar char="-"/>
+            </a:pPr>
+            <a:r>
+              <a:rPr lang="en-US" dirty="0"/>
+              <a:t>I0, I1, I3 are driven low because they aren’t connected to any inputs in the genotype.</a:t>
+            </a:r>
+          </a:p>
+          <a:p>
+            <a:pPr marL="285750" indent="-285750">
+              <a:buFontTx/>
+              <a:buChar char="-"/>
+            </a:pPr>
+            <a:r>
+              <a:rPr lang="en-US" dirty="0"/>
+              <a:t>I2 is connected to (0,2).</a:t>
+            </a:r>
+          </a:p>
+          <a:p>
+            <a:pPr marL="285750" indent="-285750">
+              <a:buFontTx/>
+              <a:buChar char="-"/>
+            </a:pPr>
+            <a:r>
+              <a:rPr lang="en-US" dirty="0"/>
+              <a:t>Logic evaluates to false if accounting for driven low inputs.</a:t>
+            </a:r>
+          </a:p>
+          <a:p>
+            <a:pPr marL="285750" indent="-285750">
+              <a:buFontTx/>
+              <a:buChar char="-"/>
+            </a:pPr>
+            <a:endParaRPr lang="en-US" dirty="0"/>
+          </a:p>
+        </p:txBody>
+      </p:sp>
+      <p:pic>
+        <p:nvPicPr>
+          <p:cNvPr id="18" name="Content Placeholder 17">
+            <a:extLst>
+              <a:ext uri="{FF2B5EF4-FFF2-40B4-BE49-F238E27FC236}">
+                <a16:creationId xmlns:a16="http://schemas.microsoft.com/office/drawing/2014/main" id="{2FFF9252-C5D0-B7A5-CE4D-B9141844304C}"/>
+              </a:ext>
+            </a:extLst>
+          </p:cNvPr>
+          <p:cNvPicPr>
+            <a:picLocks noGrp="1" noChangeAspect="1"/>
+          </p:cNvPicPr>
+          <p:nvPr>
+            <p:ph idx="1"/>
+          </p:nvPr>
+        </p:nvPicPr>
+        <p:blipFill>
+          <a:blip r:embed="rId2"/>
+          <a:stretch>
+            <a:fillRect/>
+          </a:stretch>
+        </p:blipFill>
+        <p:spPr>
+          <a:xfrm>
+            <a:off x="5860097" y="1016793"/>
+            <a:ext cx="5617491" cy="4319587"/>
+          </a:xfrm>
+          <a:prstGeom prst="rect">
+            <a:avLst/>
+          </a:prstGeom>
+        </p:spPr>
+      </p:pic>
+    </p:spTree>
+    <p:extLst>
+      <p:ext uri="{BB962C8B-B14F-4D97-AF65-F5344CB8AC3E}">
+        <p14:creationId xmlns:p14="http://schemas.microsoft.com/office/powerpoint/2010/main" val="1107198676"/>
+      </p:ext>
+    </p:extLst>
+  </p:cSld>
+  <p:clrMapOvr>
+    <a:masterClrMapping/>
+  </p:clrMapOvr>
+</p:sld>
+</file>
+
+<file path=ppt/slides/slide24.xml><?xml version="1.0" encoding="utf-8"?>
+<p:sld xmlns:a="http://schemas.openxmlformats.org/drawingml/2006/main" xmlns:r="http://schemas.openxmlformats.org/officeDocument/2006/relationships" xmlns:p="http://schemas.openxmlformats.org/presentationml/2006/main" show="0">
+  <p:cSld>
+    <p:spTree>
+      <p:nvGrpSpPr>
+        <p:cNvPr id="1" name=""/>
+        <p:cNvGrpSpPr/>
+        <p:nvPr/>
+      </p:nvGrpSpPr>
+      <p:grpSpPr>
+        <a:xfrm>
+          <a:off x="0" y="0"/>
+          <a:ext cx="0" cy="0"/>
+          <a:chOff x="0" y="0"/>
+          <a:chExt cx="0" cy="0"/>
+        </a:xfrm>
+      </p:grpSpPr>
+      <p:sp>
+        <p:nvSpPr>
+          <p:cNvPr id="2" name="Title 1">
+            <a:extLst>
+              <a:ext uri="{FF2B5EF4-FFF2-40B4-BE49-F238E27FC236}">
+                <a16:creationId xmlns:a16="http://schemas.microsoft.com/office/drawing/2014/main" id="{AC7454F1-6FEA-CE12-9F9F-AF0BA876051F}"/>
+              </a:ext>
+            </a:extLst>
+          </p:cNvPr>
+          <p:cNvSpPr>
+            <a:spLocks noGrp="1"/>
+          </p:cNvSpPr>
+          <p:nvPr>
+            <p:ph type="title"/>
+          </p:nvPr>
+        </p:nvSpPr>
+        <p:spPr/>
+        <p:txBody>
+          <a:bodyPr/>
+          <a:lstStyle/>
+          <a:p>
+            <a:r>
+              <a:rPr lang="en-US" dirty="0"/>
+              <a:t>iCE40 Layout</a:t>
+            </a:r>
+          </a:p>
+        </p:txBody>
+      </p:sp>
+      <p:pic>
+        <p:nvPicPr>
+          <p:cNvPr id="5" name="Content Placeholder 4">
+            <a:extLst>
+              <a:ext uri="{FF2B5EF4-FFF2-40B4-BE49-F238E27FC236}">
+                <a16:creationId xmlns:a16="http://schemas.microsoft.com/office/drawing/2014/main" id="{EBC96162-ED71-69DC-5B28-3DC897A4B25B}"/>
+              </a:ext>
+            </a:extLst>
+          </p:cNvPr>
+          <p:cNvPicPr>
+            <a:picLocks noGrp="1" noChangeAspect="1"/>
+          </p:cNvPicPr>
+          <p:nvPr>
+            <p:ph idx="1"/>
+          </p:nvPr>
+        </p:nvPicPr>
+        <p:blipFill>
+          <a:blip r:embed="rId2"/>
+          <a:stretch>
+            <a:fillRect/>
+          </a:stretch>
+        </p:blipFill>
+        <p:spPr>
+          <a:xfrm>
+            <a:off x="5415598" y="2057400"/>
+            <a:ext cx="6226816" cy="2198687"/>
+          </a:xfrm>
+          <a:prstGeom prst="rect">
+            <a:avLst/>
+          </a:prstGeom>
+        </p:spPr>
+      </p:pic>
+      <p:sp>
+        <p:nvSpPr>
+          <p:cNvPr id="4" name="Text Placeholder 3">
+            <a:extLst>
+              <a:ext uri="{FF2B5EF4-FFF2-40B4-BE49-F238E27FC236}">
+                <a16:creationId xmlns:a16="http://schemas.microsoft.com/office/drawing/2014/main" id="{2982DFAE-D6EE-0B0C-FD05-8276AF65416D}"/>
+              </a:ext>
+            </a:extLst>
+          </p:cNvPr>
+          <p:cNvSpPr>
+            <a:spLocks noGrp="1"/>
+          </p:cNvSpPr>
+          <p:nvPr>
+            <p:ph type="body" sz="half" idx="2"/>
+          </p:nvPr>
+        </p:nvSpPr>
+        <p:spPr/>
+        <p:txBody>
+          <a:bodyPr/>
+          <a:lstStyle/>
+          <a:p>
+            <a:pPr marL="285750" indent="-285750">
+              <a:buFontTx/>
+              <a:buChar char="-"/>
+            </a:pPr>
+            <a:r>
+              <a:rPr lang="en-US" dirty="0"/>
+              <a:t>This logic is also False (A is driven low)</a:t>
+            </a:r>
+          </a:p>
+          <a:p>
+            <a:pPr marL="285750" indent="-285750">
+              <a:buFontTx/>
+              <a:buChar char="-"/>
+            </a:pPr>
+            <a:r>
+              <a:rPr lang="en-US" dirty="0" err="1"/>
+              <a:t>nextpnr</a:t>
+            </a:r>
+            <a:r>
+              <a:rPr lang="en-US" dirty="0"/>
+              <a:t> will create equivalent logic to assist in internal routing</a:t>
+            </a:r>
+          </a:p>
+          <a:p>
+            <a:pPr marL="742950" lvl="1" indent="-285750">
+              <a:buFontTx/>
+              <a:buChar char="-"/>
+            </a:pPr>
+            <a:r>
+              <a:rPr lang="en-US" dirty="0"/>
+              <a:t>Not important because the behavior of each LUT is maintained.</a:t>
+            </a:r>
+          </a:p>
+        </p:txBody>
+      </p:sp>
+    </p:spTree>
+    <p:extLst>
+      <p:ext uri="{BB962C8B-B14F-4D97-AF65-F5344CB8AC3E}">
+        <p14:creationId xmlns:p14="http://schemas.microsoft.com/office/powerpoint/2010/main" val="3503343770"/>
+      </p:ext>
+    </p:extLst>
+  </p:cSld>
+  <p:clrMapOvr>
+    <a:masterClrMapping/>
+  </p:clrMapOvr>
+</p:sld>
+</file>
+
+<file path=ppt/slides/slide25.xml><?xml version="1.0" encoding="utf-8"?>
 <p:sld xmlns:a="http://schemas.openxmlformats.org/drawingml/2006/main" xmlns:r="http://schemas.openxmlformats.org/officeDocument/2006/relationships" xmlns:p="http://schemas.openxmlformats.org/presentationml/2006/main">
   <p:cSld>
     <p:spTree>
@@ -12646,7 +14809,7 @@
 </p:sld>
 </file>
 
-<file path=ppt/slides/slide23.xml><?xml version="1.0" encoding="utf-8"?>
+<file path=ppt/slides/slide26.xml><?xml version="1.0" encoding="utf-8"?>
 <p:sld xmlns:a="http://schemas.openxmlformats.org/drawingml/2006/main" xmlns:r="http://schemas.openxmlformats.org/officeDocument/2006/relationships" xmlns:p="http://schemas.openxmlformats.org/presentationml/2006/main">
   <p:cSld>
     <p:spTree>
@@ -12735,7 +14898,7 @@
 </p:sld>
 </file>
 
-<file path=ppt/slides/slide24.xml><?xml version="1.0" encoding="utf-8"?>
+<file path=ppt/slides/slide27.xml><?xml version="1.0" encoding="utf-8"?>
 <p:sld xmlns:a="http://schemas.openxmlformats.org/drawingml/2006/main" xmlns:r="http://schemas.openxmlformats.org/officeDocument/2006/relationships" xmlns:p="http://schemas.openxmlformats.org/presentationml/2006/main">
   <p:cSld>
     <p:spTree>
@@ -12818,7 +14981,7 @@
 </p:sld>
 </file>
 
-<file path=ppt/slides/slide25.xml><?xml version="1.0" encoding="utf-8"?>
+<file path=ppt/slides/slide28.xml><?xml version="1.0" encoding="utf-8"?>
 <p:sld xmlns:a="http://schemas.openxmlformats.org/drawingml/2006/main" xmlns:r="http://schemas.openxmlformats.org/officeDocument/2006/relationships" xmlns:p="http://schemas.openxmlformats.org/presentationml/2006/main">
   <p:cSld>
     <p:spTree>
@@ -12863,8 +15026,8 @@
           </a:p>
         </p:txBody>
       </p:sp>
-      <mc:AlternateContent xmlns:mc="http://schemas.openxmlformats.org/markup-compatibility/2006">
-        <mc:Choice xmlns:a14="http://schemas.microsoft.com/office/drawing/2010/main" Requires="a14">
+      <mc:AlternateContent xmlns:mc="http://schemas.openxmlformats.org/markup-compatibility/2006" xmlns:a14="http://schemas.microsoft.com/office/drawing/2010/main">
+        <mc:Choice Requires="a14">
           <p:sp>
             <p:nvSpPr>
               <p:cNvPr id="4" name="Text Placeholder 3">
@@ -13360,7 +15523,7 @@
             </p:txBody>
           </p:sp>
         </mc:Choice>
-        <mc:Fallback>
+        <mc:Fallback xmlns="">
           <p:sp>
             <p:nvSpPr>
               <p:cNvPr id="4" name="Text Placeholder 3">
@@ -13413,6 +15576,471 @@
 </p:sld>
 </file>
 
+<file path=ppt/slides/slide29.xml><?xml version="1.0" encoding="utf-8"?>
+<p:sld xmlns:a="http://schemas.openxmlformats.org/drawingml/2006/main" xmlns:r="http://schemas.openxmlformats.org/officeDocument/2006/relationships" xmlns:p="http://schemas.openxmlformats.org/presentationml/2006/main">
+  <p:cSld>
+    <p:spTree>
+      <p:nvGrpSpPr>
+        <p:cNvPr id="1" name=""/>
+        <p:cNvGrpSpPr/>
+        <p:nvPr/>
+      </p:nvGrpSpPr>
+      <p:grpSpPr>
+        <a:xfrm>
+          <a:off x="0" y="0"/>
+          <a:ext cx="0" cy="0"/>
+          <a:chOff x="0" y="0"/>
+          <a:chExt cx="0" cy="0"/>
+        </a:xfrm>
+      </p:grpSpPr>
+      <p:sp>
+        <p:nvSpPr>
+          <p:cNvPr id="2" name="Title 1">
+            <a:extLst>
+              <a:ext uri="{FF2B5EF4-FFF2-40B4-BE49-F238E27FC236}">
+                <a16:creationId xmlns:a16="http://schemas.microsoft.com/office/drawing/2014/main" id="{13E21BDF-A2AD-5279-B6E3-45ECC37813CE}"/>
+              </a:ext>
+            </a:extLst>
+          </p:cNvPr>
+          <p:cNvSpPr>
+            <a:spLocks noGrp="1"/>
+          </p:cNvSpPr>
+          <p:nvPr>
+            <p:ph type="title"/>
+          </p:nvPr>
+        </p:nvSpPr>
+        <p:spPr/>
+        <p:txBody>
+          <a:bodyPr/>
+          <a:lstStyle/>
+          <a:p>
+            <a:r>
+              <a:rPr lang="en-US" dirty="0"/>
+              <a:t>Fitness Function</a:t>
+            </a:r>
+          </a:p>
+        </p:txBody>
+      </p:sp>
+      <mc:AlternateContent xmlns:mc="http://schemas.openxmlformats.org/markup-compatibility/2006">
+        <mc:Choice xmlns:a14="http://schemas.microsoft.com/office/drawing/2010/main" Requires="a14">
+          <p:sp>
+            <p:nvSpPr>
+              <p:cNvPr id="3" name="Content Placeholder 2">
+                <a:extLst>
+                  <a:ext uri="{FF2B5EF4-FFF2-40B4-BE49-F238E27FC236}">
+                    <a16:creationId xmlns:a16="http://schemas.microsoft.com/office/drawing/2014/main" id="{913E93D6-1F2D-EE2D-996C-598FDDB73A47}"/>
+                  </a:ext>
+                </a:extLst>
+              </p:cNvPr>
+              <p:cNvSpPr>
+                <a:spLocks noGrp="1"/>
+              </p:cNvSpPr>
+              <p:nvPr>
+                <p:ph idx="1"/>
+              </p:nvPr>
+            </p:nvSpPr>
+            <p:spPr/>
+            <p:txBody>
+              <a:bodyPr/>
+              <a:lstStyle/>
+              <a:p>
+                <a:pPr marL="0" indent="0">
+                  <a:buNone/>
+                </a:pPr>
+                <a14:m>
+                  <m:oMathPara xmlns:m="http://schemas.openxmlformats.org/officeDocument/2006/math">
+                    <m:oMathParaPr>
+                      <m:jc m:val="centerGroup"/>
+                    </m:oMathParaPr>
+                    <m:oMath xmlns:m="http://schemas.openxmlformats.org/officeDocument/2006/math">
+                      <m:r>
+                        <a:rPr lang="en-US" i="1">
+                          <a:latin typeface="Cambria Math" panose="02040503050406030204" pitchFamily="18" charset="0"/>
+                        </a:rPr>
+                        <m:t>h</m:t>
+                      </m:r>
+                      <m:d>
+                        <m:dPr>
+                          <m:ctrlPr>
+                            <a:rPr lang="en-US" i="1">
+                              <a:latin typeface="Cambria Math" panose="02040503050406030204" pitchFamily="18" charset="0"/>
+                            </a:rPr>
+                          </m:ctrlPr>
+                        </m:dPr>
+                        <m:e>
+                          <m:r>
+                            <a:rPr lang="en-US" i="1">
+                              <a:latin typeface="Cambria Math" panose="02040503050406030204" pitchFamily="18" charset="0"/>
+                            </a:rPr>
+                            <m:t>𝑥</m:t>
+                          </m:r>
+                        </m:e>
+                      </m:d>
+                      <m:r>
+                        <a:rPr lang="en-US" i="1">
+                          <a:latin typeface="Cambria Math" panose="02040503050406030204" pitchFamily="18" charset="0"/>
+                        </a:rPr>
+                        <m:t>=</m:t>
+                      </m:r>
+                      <m:f>
+                        <m:fPr>
+                          <m:ctrlPr>
+                            <a:rPr lang="en-US" i="1">
+                              <a:latin typeface="Cambria Math" panose="02040503050406030204" pitchFamily="18" charset="0"/>
+                            </a:rPr>
+                          </m:ctrlPr>
+                        </m:fPr>
+                        <m:num>
+                          <m:nary>
+                            <m:naryPr>
+                              <m:chr m:val="∑"/>
+                              <m:ctrlPr>
+                                <a:rPr lang="en-US" i="1">
+                                  <a:latin typeface="Cambria Math" panose="02040503050406030204" pitchFamily="18" charset="0"/>
+                                </a:rPr>
+                              </m:ctrlPr>
+                            </m:naryPr>
+                            <m:sub>
+                              <m:r>
+                                <m:rPr>
+                                  <m:sty m:val="p"/>
+                                  <m:brk m:alnAt="23"/>
+                                </m:rPr>
+                                <a:rPr lang="en-US" i="1">
+                                  <a:latin typeface="Cambria Math" panose="02040503050406030204" pitchFamily="18" charset="0"/>
+                                </a:rPr>
+                                <m:t>i</m:t>
+                              </m:r>
+                              <m:r>
+                                <a:rPr lang="en-US" i="1">
+                                  <a:latin typeface="Cambria Math" panose="02040503050406030204" pitchFamily="18" charset="0"/>
+                                </a:rPr>
+                                <m:t>=0</m:t>
+                              </m:r>
+                            </m:sub>
+                            <m:sup>
+                              <m:r>
+                                <m:rPr>
+                                  <m:sty m:val="p"/>
+                                </m:rPr>
+                                <a:rPr lang="en-US" i="1">
+                                  <a:latin typeface="Cambria Math" panose="02040503050406030204" pitchFamily="18" charset="0"/>
+                                </a:rPr>
+                                <m:t>n</m:t>
+                              </m:r>
+                            </m:sup>
+                            <m:e>
+                              <m:d>
+                                <m:dPr>
+                                  <m:begChr m:val="|"/>
+                                  <m:endChr m:val="|"/>
+                                  <m:ctrlPr>
+                                    <a:rPr lang="en-US" i="1">
+                                      <a:latin typeface="Cambria Math" panose="02040503050406030204" pitchFamily="18" charset="0"/>
+                                    </a:rPr>
+                                  </m:ctrlPr>
+                                </m:dPr>
+                                <m:e>
+                                  <m:sSub>
+                                    <m:sSubPr>
+                                      <m:ctrlPr>
+                                        <a:rPr lang="en-US" i="1">
+                                          <a:latin typeface="Cambria Math" panose="02040503050406030204" pitchFamily="18" charset="0"/>
+                                        </a:rPr>
+                                      </m:ctrlPr>
+                                    </m:sSubPr>
+                                    <m:e>
+                                      <m:r>
+                                        <a:rPr lang="en-US" i="1">
+                                          <a:latin typeface="Cambria Math" panose="02040503050406030204" pitchFamily="18" charset="0"/>
+                                        </a:rPr>
+                                        <m:t>𝑣</m:t>
+                                      </m:r>
+                                    </m:e>
+                                    <m:sub>
+                                      <m:r>
+                                        <a:rPr lang="en-US" i="1">
+                                          <a:latin typeface="Cambria Math" panose="02040503050406030204" pitchFamily="18" charset="0"/>
+                                        </a:rPr>
+                                        <m:t>𝑖</m:t>
+                                      </m:r>
+                                    </m:sub>
+                                  </m:sSub>
+                                  <m:r>
+                                    <a:rPr lang="en-US" i="1">
+                                      <a:latin typeface="Cambria Math" panose="02040503050406030204" pitchFamily="18" charset="0"/>
+                                    </a:rPr>
+                                    <m:t>−</m:t>
+                                  </m:r>
+                                  <m:sSub>
+                                    <m:sSubPr>
+                                      <m:ctrlPr>
+                                        <a:rPr lang="en-US" i="1">
+                                          <a:latin typeface="Cambria Math" panose="02040503050406030204" pitchFamily="18" charset="0"/>
+                                        </a:rPr>
+                                      </m:ctrlPr>
+                                    </m:sSubPr>
+                                    <m:e>
+                                      <m:r>
+                                        <a:rPr lang="en-US" i="1">
+                                          <a:latin typeface="Cambria Math" panose="02040503050406030204" pitchFamily="18" charset="0"/>
+                                        </a:rPr>
+                                        <m:t>𝑡</m:t>
+                                      </m:r>
+                                    </m:e>
+                                    <m:sub>
+                                      <m:r>
+                                        <a:rPr lang="en-US" i="1">
+                                          <a:latin typeface="Cambria Math" panose="02040503050406030204" pitchFamily="18" charset="0"/>
+                                        </a:rPr>
+                                        <m:t>𝑖</m:t>
+                                      </m:r>
+                                    </m:sub>
+                                  </m:sSub>
+                                </m:e>
+                              </m:d>
+                            </m:e>
+                          </m:nary>
+                        </m:num>
+                        <m:den>
+                          <m:r>
+                            <m:rPr>
+                              <m:sty m:val="p"/>
+                            </m:rPr>
+                            <a:rPr lang="en-US" i="1">
+                              <a:latin typeface="Cambria Math" panose="02040503050406030204" pitchFamily="18" charset="0"/>
+                            </a:rPr>
+                            <m:t>n</m:t>
+                          </m:r>
+                        </m:den>
+                      </m:f>
+                    </m:oMath>
+                  </m:oMathPara>
+                </a14:m>
+                <a:endParaRPr lang="en-US" dirty="0"/>
+              </a:p>
+              <a:p>
+                <a:pPr marL="0" indent="0">
+                  <a:buNone/>
+                </a:pPr>
+                <a14:m>
+                  <m:oMathPara xmlns:m="http://schemas.openxmlformats.org/officeDocument/2006/math">
+                    <m:oMathParaPr>
+                      <m:jc m:val="centerGroup"/>
+                    </m:oMathParaPr>
+                    <m:oMath xmlns:m="http://schemas.openxmlformats.org/officeDocument/2006/math">
+                      <m:r>
+                        <a:rPr lang="en-US" i="1">
+                          <a:latin typeface="Cambria Math" panose="02040503050406030204" pitchFamily="18" charset="0"/>
+                        </a:rPr>
+                        <m:t>𝑓</m:t>
+                      </m:r>
+                      <m:d>
+                        <m:dPr>
+                          <m:ctrlPr>
+                            <a:rPr lang="en-US" i="1">
+                              <a:latin typeface="Cambria Math" panose="02040503050406030204" pitchFamily="18" charset="0"/>
+                            </a:rPr>
+                          </m:ctrlPr>
+                        </m:dPr>
+                        <m:e>
+                          <m:r>
+                            <a:rPr lang="en-US" i="1">
+                              <a:latin typeface="Cambria Math" panose="02040503050406030204" pitchFamily="18" charset="0"/>
+                            </a:rPr>
+                            <m:t>𝑥</m:t>
+                          </m:r>
+                        </m:e>
+                      </m:d>
+                      <m:r>
+                        <a:rPr lang="en-US" i="1">
+                          <a:latin typeface="Cambria Math" panose="02040503050406030204" pitchFamily="18" charset="0"/>
+                        </a:rPr>
+                        <m:t>=</m:t>
+                      </m:r>
+                      <m:d>
+                        <m:dPr>
+                          <m:begChr m:val="{"/>
+                          <m:endChr m:val=""/>
+                          <m:ctrlPr>
+                            <a:rPr lang="en-US" i="1">
+                              <a:latin typeface="Cambria Math" panose="02040503050406030204" pitchFamily="18" charset="0"/>
+                            </a:rPr>
+                          </m:ctrlPr>
+                        </m:dPr>
+                        <m:e>
+                          <m:eqArr>
+                            <m:eqArrPr>
+                              <m:ctrlPr>
+                                <a:rPr lang="en-US" i="1">
+                                  <a:latin typeface="Cambria Math" panose="02040503050406030204" pitchFamily="18" charset="0"/>
+                                </a:rPr>
+                              </m:ctrlPr>
+                            </m:eqArrPr>
+                            <m:e>
+                              <m:r>
+                                <m:rPr>
+                                  <m:sty m:val="p"/>
+                                </m:rPr>
+                                <a:rPr lang="en-US" i="1">
+                                  <a:latin typeface="Cambria Math" panose="02040503050406030204" pitchFamily="18" charset="0"/>
+                                </a:rPr>
+                                <m:t>h</m:t>
+                              </m:r>
+                              <m:r>
+                                <a:rPr lang="en-US" i="1">
+                                  <a:latin typeface="Cambria Math" panose="02040503050406030204" pitchFamily="18" charset="0"/>
+                                </a:rPr>
+                                <m:t>(</m:t>
+                              </m:r>
+                              <m:r>
+                                <m:rPr>
+                                  <m:sty m:val="p"/>
+                                </m:rPr>
+                                <a:rPr lang="en-US" i="1">
+                                  <a:latin typeface="Cambria Math" panose="02040503050406030204" pitchFamily="18" charset="0"/>
+                                </a:rPr>
+                                <m:t>x</m:t>
+                              </m:r>
+                              <m:r>
+                                <a:rPr lang="en-US" i="1">
+                                  <a:latin typeface="Cambria Math" panose="02040503050406030204" pitchFamily="18" charset="0"/>
+                                </a:rPr>
+                                <m:t>),  </m:t>
+                              </m:r>
+                              <m:r>
+                                <m:rPr>
+                                  <m:sty m:val="p"/>
+                                </m:rPr>
+                                <a:rPr lang="en-US" i="1">
+                                  <a:latin typeface="Cambria Math" panose="02040503050406030204" pitchFamily="18" charset="0"/>
+                                </a:rPr>
+                                <m:t>h</m:t>
+                              </m:r>
+                              <m:r>
+                                <a:rPr lang="en-US" i="1">
+                                  <a:latin typeface="Cambria Math" panose="02040503050406030204" pitchFamily="18" charset="0"/>
+                                </a:rPr>
+                                <m:t>(</m:t>
+                              </m:r>
+                              <m:r>
+                                <m:rPr>
+                                  <m:sty m:val="p"/>
+                                </m:rPr>
+                                <a:rPr lang="en-US" i="1">
+                                  <a:latin typeface="Cambria Math" panose="02040503050406030204" pitchFamily="18" charset="0"/>
+                                </a:rPr>
+                                <m:t>x</m:t>
+                              </m:r>
+                              <m:r>
+                                <a:rPr lang="en-US" i="1">
+                                  <a:latin typeface="Cambria Math" panose="02040503050406030204" pitchFamily="18" charset="0"/>
+                                </a:rPr>
+                                <m:t>) ≠0.5</m:t>
+                              </m:r>
+                            </m:e>
+                            <m:e>
+                              <m:r>
+                                <a:rPr lang="en-US" i="1">
+                                  <a:latin typeface="Cambria Math" panose="02040503050406030204" pitchFamily="18" charset="0"/>
+                                </a:rPr>
+                                <m:t>&amp;0,  </m:t>
+                              </m:r>
+                              <m:r>
+                                <m:rPr>
+                                  <m:sty m:val="p"/>
+                                </m:rPr>
+                                <a:rPr lang="en-US" i="1">
+                                  <a:latin typeface="Cambria Math" panose="02040503050406030204" pitchFamily="18" charset="0"/>
+                                </a:rPr>
+                                <m:t>h</m:t>
+                              </m:r>
+                              <m:r>
+                                <a:rPr lang="en-US" i="1">
+                                  <a:latin typeface="Cambria Math" panose="02040503050406030204" pitchFamily="18" charset="0"/>
+                                </a:rPr>
+                                <m:t>(</m:t>
+                              </m:r>
+                              <m:r>
+                                <m:rPr>
+                                  <m:sty m:val="p"/>
+                                </m:rPr>
+                                <a:rPr lang="en-US" i="1">
+                                  <a:latin typeface="Cambria Math" panose="02040503050406030204" pitchFamily="18" charset="0"/>
+                                </a:rPr>
+                                <m:t>x</m:t>
+                              </m:r>
+                              <m:r>
+                                <a:rPr lang="en-US" i="1">
+                                  <a:latin typeface="Cambria Math" panose="02040503050406030204" pitchFamily="18" charset="0"/>
+                                </a:rPr>
+                                <m:t>) = 0</m:t>
+                              </m:r>
+                            </m:e>
+                          </m:eqArr>
+                        </m:e>
+                      </m:d>
+                    </m:oMath>
+                  </m:oMathPara>
+                </a14:m>
+                <a:endParaRPr lang="en-US" dirty="0"/>
+              </a:p>
+            </p:txBody>
+          </p:sp>
+        </mc:Choice>
+        <mc:Fallback>
+          <p:sp>
+            <p:nvSpPr>
+              <p:cNvPr id="3" name="Content Placeholder 2">
+                <a:extLst>
+                  <a:ext uri="{FF2B5EF4-FFF2-40B4-BE49-F238E27FC236}">
+                    <a16:creationId xmlns:a16="http://schemas.microsoft.com/office/drawing/2014/main" id="{913E93D6-1F2D-EE2D-996C-598FDDB73A47}"/>
+                  </a:ext>
+                </a:extLst>
+              </p:cNvPr>
+              <p:cNvSpPr>
+                <a:spLocks noGrp="1" noRot="1" noChangeAspect="1" noMove="1" noResize="1" noEditPoints="1" noAdjustHandles="1" noChangeArrowheads="1" noChangeShapeType="1" noTextEdit="1"/>
+              </p:cNvSpPr>
+              <p:nvPr>
+                <p:ph idx="1"/>
+              </p:nvPr>
+            </p:nvSpPr>
+            <p:spPr>
+              <a:blipFill>
+                <a:blip r:embed="rId2"/>
+                <a:stretch>
+                  <a:fillRect t="-33430" b="-11337"/>
+                </a:stretch>
+              </a:blipFill>
+            </p:spPr>
+            <p:txBody>
+              <a:bodyPr/>
+              <a:lstStyle/>
+              <a:p>
+                <a:r>
+                  <a:rPr lang="en-US">
+                    <a:noFill/>
+                  </a:rPr>
+                  <a:t> </a:t>
+                </a:r>
+              </a:p>
+            </p:txBody>
+          </p:sp>
+        </mc:Fallback>
+      </mc:AlternateContent>
+    </p:spTree>
+    <p:extLst>
+      <p:ext uri="{BB962C8B-B14F-4D97-AF65-F5344CB8AC3E}">
+        <p14:creationId xmlns:p14="http://schemas.microsoft.com/office/powerpoint/2010/main" val="2452355673"/>
+      </p:ext>
+    </p:extLst>
+  </p:cSld>
+  <p:clrMapOvr>
+    <a:masterClrMapping/>
+  </p:clrMapOvr>
+</p:sld>
+</file>
+
 <file path=ppt/slides/slide3.xml><?xml version="1.0" encoding="utf-8"?>
 <p:sld xmlns:a="http://schemas.openxmlformats.org/drawingml/2006/main" xmlns:r="http://schemas.openxmlformats.org/officeDocument/2006/relationships" xmlns:p="http://schemas.openxmlformats.org/presentationml/2006/main">
   <p:cSld>
@@ -13487,6 +16115,259 @@
     <p:extLst>
       <p:ext uri="{BB962C8B-B14F-4D97-AF65-F5344CB8AC3E}">
         <p14:creationId xmlns:p14="http://schemas.microsoft.com/office/powerpoint/2010/main" val="20340054"/>
+      </p:ext>
+    </p:extLst>
+  </p:cSld>
+  <p:clrMapOvr>
+    <a:masterClrMapping/>
+  </p:clrMapOvr>
+</p:sld>
+</file>
+
+<file path=ppt/slides/slide30.xml><?xml version="1.0" encoding="utf-8"?>
+<p:sld xmlns:a="http://schemas.openxmlformats.org/drawingml/2006/main" xmlns:r="http://schemas.openxmlformats.org/officeDocument/2006/relationships" xmlns:p="http://schemas.openxmlformats.org/presentationml/2006/main">
+  <p:cSld>
+    <p:spTree>
+      <p:nvGrpSpPr>
+        <p:cNvPr id="1" name=""/>
+        <p:cNvGrpSpPr/>
+        <p:nvPr/>
+      </p:nvGrpSpPr>
+      <p:grpSpPr>
+        <a:xfrm>
+          <a:off x="0" y="0"/>
+          <a:ext cx="0" cy="0"/>
+          <a:chOff x="0" y="0"/>
+          <a:chExt cx="0" cy="0"/>
+        </a:xfrm>
+      </p:grpSpPr>
+      <p:sp>
+        <p:nvSpPr>
+          <p:cNvPr id="2" name="Title 1">
+            <a:extLst>
+              <a:ext uri="{FF2B5EF4-FFF2-40B4-BE49-F238E27FC236}">
+                <a16:creationId xmlns:a16="http://schemas.microsoft.com/office/drawing/2014/main" id="{3398FDE5-1FF0-682D-51BC-2B523309B7B6}"/>
+              </a:ext>
+            </a:extLst>
+          </p:cNvPr>
+          <p:cNvSpPr>
+            <a:spLocks noGrp="1"/>
+          </p:cNvSpPr>
+          <p:nvPr>
+            <p:ph type="title"/>
+          </p:nvPr>
+        </p:nvSpPr>
+        <p:spPr/>
+        <p:txBody>
+          <a:bodyPr/>
+          <a:lstStyle/>
+          <a:p>
+            <a:r>
+              <a:rPr lang="en-US" dirty="0"/>
+              <a:t>Results: Indirect Encoding</a:t>
+            </a:r>
+          </a:p>
+        </p:txBody>
+      </p:sp>
+      <p:graphicFrame>
+        <p:nvGraphicFramePr>
+          <p:cNvPr id="4" name="Content Placeholder 3">
+            <a:extLst>
+              <a:ext uri="{FF2B5EF4-FFF2-40B4-BE49-F238E27FC236}">
+                <a16:creationId xmlns:a16="http://schemas.microsoft.com/office/drawing/2014/main" id="{46640A55-3722-AD88-14F1-5BED0778C2C1}"/>
+              </a:ext>
+            </a:extLst>
+          </p:cNvPr>
+          <p:cNvGraphicFramePr>
+            <a:graphicFrameLocks noGrp="1"/>
+          </p:cNvGraphicFramePr>
+          <p:nvPr>
+            <p:ph idx="1"/>
+          </p:nvPr>
+        </p:nvGraphicFramePr>
+        <p:xfrm>
+          <a:off x="838200" y="1825625"/>
+          <a:ext cx="10515600" cy="4351338"/>
+        </p:xfrm>
+        <a:graphic>
+          <a:graphicData uri="http://schemas.openxmlformats.org/drawingml/2006/chart">
+            <c:chart xmlns:c="http://schemas.openxmlformats.org/drawingml/2006/chart" xmlns:r="http://schemas.openxmlformats.org/officeDocument/2006/relationships" r:id="rId2"/>
+          </a:graphicData>
+        </a:graphic>
+      </p:graphicFrame>
+    </p:spTree>
+    <p:extLst>
+      <p:ext uri="{BB962C8B-B14F-4D97-AF65-F5344CB8AC3E}">
+        <p14:creationId xmlns:p14="http://schemas.microsoft.com/office/powerpoint/2010/main" val="2015820784"/>
+      </p:ext>
+    </p:extLst>
+  </p:cSld>
+  <p:clrMapOvr>
+    <a:masterClrMapping/>
+  </p:clrMapOvr>
+</p:sld>
+</file>
+
+<file path=ppt/slides/slide31.xml><?xml version="1.0" encoding="utf-8"?>
+<p:sld xmlns:a="http://schemas.openxmlformats.org/drawingml/2006/main" xmlns:r="http://schemas.openxmlformats.org/officeDocument/2006/relationships" xmlns:p="http://schemas.openxmlformats.org/presentationml/2006/main">
+  <p:cSld>
+    <p:spTree>
+      <p:nvGrpSpPr>
+        <p:cNvPr id="1" name=""/>
+        <p:cNvGrpSpPr/>
+        <p:nvPr/>
+      </p:nvGrpSpPr>
+      <p:grpSpPr>
+        <a:xfrm>
+          <a:off x="0" y="0"/>
+          <a:ext cx="0" cy="0"/>
+          <a:chOff x="0" y="0"/>
+          <a:chExt cx="0" cy="0"/>
+        </a:xfrm>
+      </p:grpSpPr>
+      <p:sp>
+        <p:nvSpPr>
+          <p:cNvPr id="2" name="Title 1">
+            <a:extLst>
+              <a:ext uri="{FF2B5EF4-FFF2-40B4-BE49-F238E27FC236}">
+                <a16:creationId xmlns:a16="http://schemas.microsoft.com/office/drawing/2014/main" id="{0F423860-C6E7-79E4-666F-199861723A20}"/>
+              </a:ext>
+            </a:extLst>
+          </p:cNvPr>
+          <p:cNvSpPr>
+            <a:spLocks noGrp="1"/>
+          </p:cNvSpPr>
+          <p:nvPr>
+            <p:ph type="title"/>
+          </p:nvPr>
+        </p:nvSpPr>
+        <p:spPr/>
+        <p:txBody>
+          <a:bodyPr/>
+          <a:lstStyle/>
+          <a:p>
+            <a:r>
+              <a:rPr lang="en-US" dirty="0"/>
+              <a:t>Results: Direct Encoding</a:t>
+            </a:r>
+          </a:p>
+        </p:txBody>
+      </p:sp>
+      <p:sp>
+        <p:nvSpPr>
+          <p:cNvPr id="3" name="Content Placeholder 2">
+            <a:extLst>
+              <a:ext uri="{FF2B5EF4-FFF2-40B4-BE49-F238E27FC236}">
+                <a16:creationId xmlns:a16="http://schemas.microsoft.com/office/drawing/2014/main" id="{B19B4348-463A-3448-6E3F-BF4112B49A4E}"/>
+              </a:ext>
+            </a:extLst>
+          </p:cNvPr>
+          <p:cNvSpPr>
+            <a:spLocks noGrp="1"/>
+          </p:cNvSpPr>
+          <p:nvPr>
+            <p:ph idx="1"/>
+          </p:nvPr>
+        </p:nvSpPr>
+        <p:spPr/>
+        <p:txBody>
+          <a:bodyPr/>
+          <a:lstStyle/>
+          <a:p>
+            <a:r>
+              <a:rPr lang="en-US" dirty="0"/>
+              <a:t>Hope to have by next week</a:t>
+            </a:r>
+          </a:p>
+        </p:txBody>
+      </p:sp>
+    </p:spTree>
+    <p:extLst>
+      <p:ext uri="{BB962C8B-B14F-4D97-AF65-F5344CB8AC3E}">
+        <p14:creationId xmlns:p14="http://schemas.microsoft.com/office/powerpoint/2010/main" val="1691318473"/>
+      </p:ext>
+    </p:extLst>
+  </p:cSld>
+  <p:clrMapOvr>
+    <a:masterClrMapping/>
+  </p:clrMapOvr>
+</p:sld>
+</file>
+
+<file path=ppt/slides/slide32.xml><?xml version="1.0" encoding="utf-8"?>
+<p:sld xmlns:a="http://schemas.openxmlformats.org/drawingml/2006/main" xmlns:r="http://schemas.openxmlformats.org/officeDocument/2006/relationships" xmlns:p="http://schemas.openxmlformats.org/presentationml/2006/main">
+  <p:cSld>
+    <p:spTree>
+      <p:nvGrpSpPr>
+        <p:cNvPr id="1" name=""/>
+        <p:cNvGrpSpPr/>
+        <p:nvPr/>
+      </p:nvGrpSpPr>
+      <p:grpSpPr>
+        <a:xfrm>
+          <a:off x="0" y="0"/>
+          <a:ext cx="0" cy="0"/>
+          <a:chOff x="0" y="0"/>
+          <a:chExt cx="0" cy="0"/>
+        </a:xfrm>
+      </p:grpSpPr>
+      <p:sp>
+        <p:nvSpPr>
+          <p:cNvPr id="4" name="Title 3">
+            <a:extLst>
+              <a:ext uri="{FF2B5EF4-FFF2-40B4-BE49-F238E27FC236}">
+                <a16:creationId xmlns:a16="http://schemas.microsoft.com/office/drawing/2014/main" id="{6ED16908-C6D7-EC49-E658-BFC25F8D360F}"/>
+              </a:ext>
+            </a:extLst>
+          </p:cNvPr>
+          <p:cNvSpPr>
+            <a:spLocks noGrp="1"/>
+          </p:cNvSpPr>
+          <p:nvPr>
+            <p:ph type="ctrTitle"/>
+          </p:nvPr>
+        </p:nvSpPr>
+        <p:spPr/>
+        <p:txBody>
+          <a:bodyPr/>
+          <a:lstStyle/>
+          <a:p>
+            <a:r>
+              <a:rPr lang="en-US" dirty="0"/>
+              <a:t>Thank You</a:t>
+            </a:r>
+          </a:p>
+        </p:txBody>
+      </p:sp>
+      <p:sp>
+        <p:nvSpPr>
+          <p:cNvPr id="5" name="Subtitle 4">
+            <a:extLst>
+              <a:ext uri="{FF2B5EF4-FFF2-40B4-BE49-F238E27FC236}">
+                <a16:creationId xmlns:a16="http://schemas.microsoft.com/office/drawing/2014/main" id="{CDFFE8C9-B30F-7DCC-4902-380683F63DED}"/>
+              </a:ext>
+            </a:extLst>
+          </p:cNvPr>
+          <p:cNvSpPr>
+            <a:spLocks noGrp="1"/>
+          </p:cNvSpPr>
+          <p:nvPr>
+            <p:ph type="subTitle" idx="1"/>
+          </p:nvPr>
+        </p:nvSpPr>
+        <p:spPr/>
+        <p:txBody>
+          <a:bodyPr/>
+          <a:lstStyle/>
+          <a:p>
+            <a:endParaRPr lang="en-US"/>
+          </a:p>
+        </p:txBody>
+      </p:sp>
+    </p:spTree>
+    <p:extLst>
+      <p:ext uri="{BB962C8B-B14F-4D97-AF65-F5344CB8AC3E}">
+        <p14:creationId xmlns:p14="http://schemas.microsoft.com/office/powerpoint/2010/main" val="1737437589"/>
       </p:ext>
     </p:extLst>
   </p:cSld>

--- a/ThomasBiorenPresentationDraft.pptx
+++ b/ThomasBiorenPresentationDraft.pptx
@@ -5,7 +5,7 @@
     <p:sldMasterId id="2147483648" r:id="rId1"/>
   </p:sldMasterIdLst>
   <p:notesMasterIdLst>
-    <p:notesMasterId r:id="rId34"/>
+    <p:notesMasterId r:id="rId35"/>
   </p:notesMasterIdLst>
   <p:sldIdLst>
     <p:sldId id="256" r:id="rId2"/>
@@ -39,7 +39,8 @@
     <p:sldId id="287" r:id="rId30"/>
     <p:sldId id="288" r:id="rId31"/>
     <p:sldId id="289" r:id="rId32"/>
-    <p:sldId id="293" r:id="rId33"/>
+    <p:sldId id="294" r:id="rId33"/>
+    <p:sldId id="293" r:id="rId34"/>
   </p:sldIdLst>
   <p:sldSz cx="12192000" cy="6858000"/>
   <p:notesSz cx="6858000" cy="9144000"/>
@@ -8715,6 +8716,90 @@
           <a:bodyPr/>
           <a:lstStyle/>
           <a:p>
+            <a:endParaRPr lang="en-US" dirty="0"/>
+          </a:p>
+        </p:txBody>
+      </p:sp>
+      <p:sp>
+        <p:nvSpPr>
+          <p:cNvPr id="4" name="Slide Number Placeholder 3"/>
+          <p:cNvSpPr>
+            <a:spLocks noGrp="1"/>
+          </p:cNvSpPr>
+          <p:nvPr>
+            <p:ph type="sldNum" sz="quarter" idx="5"/>
+          </p:nvPr>
+        </p:nvSpPr>
+        <p:spPr/>
+        <p:txBody>
+          <a:bodyPr/>
+          <a:lstStyle/>
+          <a:p>
+            <a:fld id="{45C03D80-6690-0D4D-85EB-76D4E248A7E7}" type="slidenum">
+              <a:rPr lang="en-US" smtClean="0"/>
+              <a:t>10</a:t>
+            </a:fld>
+            <a:endParaRPr lang="en-US"/>
+          </a:p>
+        </p:txBody>
+      </p:sp>
+    </p:spTree>
+    <p:extLst>
+      <p:ext uri="{BB962C8B-B14F-4D97-AF65-F5344CB8AC3E}">
+        <p14:creationId xmlns:p14="http://schemas.microsoft.com/office/powerpoint/2010/main" val="385917844"/>
+      </p:ext>
+    </p:extLst>
+  </p:cSld>
+  <p:clrMapOvr>
+    <a:masterClrMapping/>
+  </p:clrMapOvr>
+</p:notes>
+</file>
+
+<file path=ppt/notesSlides/notesSlide3.xml><?xml version="1.0" encoding="utf-8"?>
+<p:notes xmlns:a="http://schemas.openxmlformats.org/drawingml/2006/main" xmlns:r="http://schemas.openxmlformats.org/officeDocument/2006/relationships" xmlns:p="http://schemas.openxmlformats.org/presentationml/2006/main">
+  <p:cSld>
+    <p:spTree>
+      <p:nvGrpSpPr>
+        <p:cNvPr id="1" name=""/>
+        <p:cNvGrpSpPr/>
+        <p:nvPr/>
+      </p:nvGrpSpPr>
+      <p:grpSpPr>
+        <a:xfrm>
+          <a:off x="0" y="0"/>
+          <a:ext cx="0" cy="0"/>
+          <a:chOff x="0" y="0"/>
+          <a:chExt cx="0" cy="0"/>
+        </a:xfrm>
+      </p:grpSpPr>
+      <p:sp>
+        <p:nvSpPr>
+          <p:cNvPr id="2" name="Slide Image Placeholder 1"/>
+          <p:cNvSpPr>
+            <a:spLocks noGrp="1" noRot="1" noChangeAspect="1"/>
+          </p:cNvSpPr>
+          <p:nvPr>
+            <p:ph type="sldImg"/>
+          </p:nvPr>
+        </p:nvSpPr>
+        <p:spPr/>
+      </p:sp>
+      <p:sp>
+        <p:nvSpPr>
+          <p:cNvPr id="3" name="Notes Placeholder 2"/>
+          <p:cNvSpPr>
+            <a:spLocks noGrp="1"/>
+          </p:cNvSpPr>
+          <p:nvPr>
+            <p:ph type="body" idx="1"/>
+          </p:nvPr>
+        </p:nvSpPr>
+        <p:spPr/>
+        <p:txBody>
+          <a:bodyPr/>
+          <a:lstStyle/>
+          <a:p>
             <a:pPr marL="0" marR="0" lvl="0" indent="0" algn="l" defTabSz="914400" rtl="0" eaLnBrk="1" fontAlgn="auto" latinLnBrk="0" hangingPunct="1">
               <a:lnSpc>
                 <a:spcPct val="100000"/>
@@ -8786,7 +8871,7 @@
 </p:notes>
 </file>
 
-<file path=ppt/notesSlides/notesSlide3.xml><?xml version="1.0" encoding="utf-8"?>
+<file path=ppt/notesSlides/notesSlide4.xml><?xml version="1.0" encoding="utf-8"?>
 <p:notes xmlns:a="http://schemas.openxmlformats.org/drawingml/2006/main" xmlns:r="http://schemas.openxmlformats.org/officeDocument/2006/relationships" xmlns:p="http://schemas.openxmlformats.org/presentationml/2006/main">
   <p:cSld>
     <p:spTree>
@@ -12327,7 +12412,7 @@
             </p:nvSpPr>
             <p:spPr>
               <a:blipFill>
-                <a:blip r:embed="rId2"/>
+                <a:blip r:embed="rId3"/>
                 <a:stretch>
                   <a:fillRect l="-645" t="-1329"/>
                 </a:stretch>
@@ -12365,7 +12450,7 @@
           </p:nvPr>
         </p:nvPicPr>
         <p:blipFill>
-          <a:blip r:embed="rId3"/>
+          <a:blip r:embed="rId4"/>
           <a:srcRect t="123" b="123"/>
           <a:stretch>
             <a:fillRect/>
@@ -15026,8 +15111,8 @@
           </a:p>
         </p:txBody>
       </p:sp>
-      <mc:AlternateContent xmlns:mc="http://schemas.openxmlformats.org/markup-compatibility/2006" xmlns:a14="http://schemas.microsoft.com/office/drawing/2010/main">
-        <mc:Choice Requires="a14">
+      <mc:AlternateContent xmlns:mc="http://schemas.openxmlformats.org/markup-compatibility/2006">
+        <mc:Choice xmlns:a14="http://schemas.microsoft.com/office/drawing/2010/main" Requires="a14">
           <p:sp>
             <p:nvSpPr>
               <p:cNvPr id="4" name="Text Placeholder 3">
@@ -15047,7 +15132,7 @@
             <p:spPr/>
             <p:txBody>
               <a:bodyPr>
-                <a:normAutofit fontScale="92500" lnSpcReduction="20000"/>
+                <a:normAutofit/>
               </a:bodyPr>
               <a:lstStyle/>
               <a:p>
@@ -15149,381 +15234,23 @@
                       <m:t>⊕</m:t>
                     </m:r>
                     <m:r>
+                      <m:rPr>
+                        <m:sty m:val="p"/>
+                      </m:rPr>
                       <a:rPr lang="en-US" b="0" i="1" smtClean="0">
                         <a:latin typeface="Cambria Math" panose="02040503050406030204" pitchFamily="18" charset="0"/>
                         <a:ea typeface="Cambria Math" panose="02040503050406030204" pitchFamily="18" charset="0"/>
                       </a:rPr>
-                      <m:t>𝐷</m:t>
+                      <m:t>D</m:t>
                     </m:r>
                   </m:oMath>
                 </a14:m>
                 <a:endParaRPr lang="en-US" baseline="-25000" dirty="0"/>
               </a:p>
-              <a:p>
-                <a:pPr marL="285750" indent="-285750"/>
-                <a:r>
-                  <a:rPr lang="en-US" dirty="0"/>
-                  <a:t>Fitness Function:</a:t>
-                </a:r>
-              </a:p>
-              <a:p>
-                <a:pPr marL="0" indent="0">
-                  <a:buNone/>
-                </a:pPr>
-                <a14:m>
-                  <m:oMathPara xmlns:m="http://schemas.openxmlformats.org/officeDocument/2006/math">
-                    <m:oMathParaPr>
-                      <m:jc m:val="centerGroup"/>
-                    </m:oMathParaPr>
-                    <m:oMath xmlns:m="http://schemas.openxmlformats.org/officeDocument/2006/math">
-                      <m:r>
-                        <a:rPr lang="en-US" b="0" i="1" smtClean="0">
-                          <a:latin typeface="Cambria Math" panose="02040503050406030204" pitchFamily="18" charset="0"/>
-                        </a:rPr>
-                        <m:t>h</m:t>
-                      </m:r>
-                      <m:d>
-                        <m:dPr>
-                          <m:ctrlPr>
-                            <a:rPr lang="en-US" b="0" i="1" smtClean="0">
-                              <a:latin typeface="Cambria Math" panose="02040503050406030204" pitchFamily="18" charset="0"/>
-                            </a:rPr>
-                          </m:ctrlPr>
-                        </m:dPr>
-                        <m:e>
-                          <m:r>
-                            <a:rPr lang="en-US" b="0" i="1" smtClean="0">
-                              <a:latin typeface="Cambria Math" panose="02040503050406030204" pitchFamily="18" charset="0"/>
-                            </a:rPr>
-                            <m:t>𝑥</m:t>
-                          </m:r>
-                        </m:e>
-                      </m:d>
-                      <m:r>
-                        <a:rPr lang="en-US" b="0" i="1" smtClean="0">
-                          <a:latin typeface="Cambria Math" panose="02040503050406030204" pitchFamily="18" charset="0"/>
-                        </a:rPr>
-                        <m:t>=</m:t>
-                      </m:r>
-                      <m:f>
-                        <m:fPr>
-                          <m:ctrlPr>
-                            <a:rPr lang="en-US" b="0" i="1" smtClean="0">
-                              <a:latin typeface="Cambria Math" panose="02040503050406030204" pitchFamily="18" charset="0"/>
-                            </a:rPr>
-                          </m:ctrlPr>
-                        </m:fPr>
-                        <m:num>
-                          <m:nary>
-                            <m:naryPr>
-                              <m:chr m:val="∑"/>
-                              <m:ctrlPr>
-                                <a:rPr lang="en-US" b="0" i="1" smtClean="0">
-                                  <a:latin typeface="Cambria Math" panose="02040503050406030204" pitchFamily="18" charset="0"/>
-                                </a:rPr>
-                              </m:ctrlPr>
-                            </m:naryPr>
-                            <m:sub>
-                              <m:r>
-                                <m:rPr>
-                                  <m:sty m:val="p"/>
-                                  <m:brk m:alnAt="23"/>
-                                </m:rPr>
-                                <a:rPr lang="en-US" b="0" i="1" smtClean="0">
-                                  <a:latin typeface="Cambria Math" panose="02040503050406030204" pitchFamily="18" charset="0"/>
-                                </a:rPr>
-                                <m:t>i</m:t>
-                              </m:r>
-                              <m:r>
-                                <a:rPr lang="en-US" b="0" i="1" smtClean="0">
-                                  <a:latin typeface="Cambria Math" panose="02040503050406030204" pitchFamily="18" charset="0"/>
-                                </a:rPr>
-                                <m:t>=0</m:t>
-                              </m:r>
-                            </m:sub>
-                            <m:sup>
-                              <m:r>
-                                <m:rPr>
-                                  <m:sty m:val="p"/>
-                                </m:rPr>
-                                <a:rPr lang="en-US" b="0" i="1" smtClean="0">
-                                  <a:latin typeface="Cambria Math" panose="02040503050406030204" pitchFamily="18" charset="0"/>
-                                </a:rPr>
-                                <m:t>n</m:t>
-                              </m:r>
-                            </m:sup>
-                            <m:e>
-                              <m:d>
-                                <m:dPr>
-                                  <m:begChr m:val="|"/>
-                                  <m:endChr m:val="|"/>
-                                  <m:ctrlPr>
-                                    <a:rPr lang="en-US" b="0" i="1" smtClean="0">
-                                      <a:latin typeface="Cambria Math" panose="02040503050406030204" pitchFamily="18" charset="0"/>
-                                    </a:rPr>
-                                  </m:ctrlPr>
-                                </m:dPr>
-                                <m:e>
-                                  <m:sSub>
-                                    <m:sSubPr>
-                                      <m:ctrlPr>
-                                        <a:rPr lang="en-US" b="0" i="1" smtClean="0">
-                                          <a:latin typeface="Cambria Math" panose="02040503050406030204" pitchFamily="18" charset="0"/>
-                                        </a:rPr>
-                                      </m:ctrlPr>
-                                    </m:sSubPr>
-                                    <m:e>
-                                      <m:r>
-                                        <a:rPr lang="en-US" b="0" i="1" smtClean="0">
-                                          <a:latin typeface="Cambria Math" panose="02040503050406030204" pitchFamily="18" charset="0"/>
-                                        </a:rPr>
-                                        <m:t>𝑣</m:t>
-                                      </m:r>
-                                    </m:e>
-                                    <m:sub>
-                                      <m:r>
-                                        <a:rPr lang="en-US" b="0" i="1" smtClean="0">
-                                          <a:latin typeface="Cambria Math" panose="02040503050406030204" pitchFamily="18" charset="0"/>
-                                        </a:rPr>
-                                        <m:t>𝑖</m:t>
-                                      </m:r>
-                                    </m:sub>
-                                  </m:sSub>
-                                  <m:r>
-                                    <a:rPr lang="en-US" b="0" i="1" smtClean="0">
-                                      <a:latin typeface="Cambria Math" panose="02040503050406030204" pitchFamily="18" charset="0"/>
-                                    </a:rPr>
-                                    <m:t>−</m:t>
-                                  </m:r>
-                                  <m:sSub>
-                                    <m:sSubPr>
-                                      <m:ctrlPr>
-                                        <a:rPr lang="en-US" b="0" i="1" smtClean="0">
-                                          <a:latin typeface="Cambria Math" panose="02040503050406030204" pitchFamily="18" charset="0"/>
-                                        </a:rPr>
-                                      </m:ctrlPr>
-                                    </m:sSubPr>
-                                    <m:e>
-                                      <m:r>
-                                        <a:rPr lang="en-US" b="0" i="1" smtClean="0">
-                                          <a:latin typeface="Cambria Math" panose="02040503050406030204" pitchFamily="18" charset="0"/>
-                                        </a:rPr>
-                                        <m:t>𝑡</m:t>
-                                      </m:r>
-                                    </m:e>
-                                    <m:sub>
-                                      <m:r>
-                                        <a:rPr lang="en-US" b="0" i="1" smtClean="0">
-                                          <a:latin typeface="Cambria Math" panose="02040503050406030204" pitchFamily="18" charset="0"/>
-                                        </a:rPr>
-                                        <m:t>𝑖</m:t>
-                                      </m:r>
-                                    </m:sub>
-                                  </m:sSub>
-                                </m:e>
-                              </m:d>
-                            </m:e>
-                          </m:nary>
-                        </m:num>
-                        <m:den>
-                          <m:r>
-                            <m:rPr>
-                              <m:sty m:val="p"/>
-                            </m:rPr>
-                            <a:rPr lang="en-US" b="0" i="1" smtClean="0">
-                              <a:latin typeface="Cambria Math" panose="02040503050406030204" pitchFamily="18" charset="0"/>
-                            </a:rPr>
-                            <m:t>n</m:t>
-                          </m:r>
-                        </m:den>
-                      </m:f>
-                    </m:oMath>
-                  </m:oMathPara>
-                </a14:m>
-                <a:endParaRPr lang="en-US" b="0" dirty="0"/>
-              </a:p>
-              <a:p>
-                <a:pPr marL="0" indent="0">
-                  <a:buNone/>
-                </a:pPr>
-                <a14:m>
-                  <m:oMathPara xmlns:m="http://schemas.openxmlformats.org/officeDocument/2006/math">
-                    <m:oMathParaPr>
-                      <m:jc m:val="centerGroup"/>
-                    </m:oMathParaPr>
-                    <m:oMath xmlns:m="http://schemas.openxmlformats.org/officeDocument/2006/math">
-                      <m:r>
-                        <a:rPr lang="en-US" i="1" smtClean="0">
-                          <a:latin typeface="Cambria Math" panose="02040503050406030204" pitchFamily="18" charset="0"/>
-                        </a:rPr>
-                        <m:t>𝑓</m:t>
-                      </m:r>
-                      <m:d>
-                        <m:dPr>
-                          <m:ctrlPr>
-                            <a:rPr lang="en-US" i="1" smtClean="0">
-                              <a:latin typeface="Cambria Math" panose="02040503050406030204" pitchFamily="18" charset="0"/>
-                            </a:rPr>
-                          </m:ctrlPr>
-                        </m:dPr>
-                        <m:e>
-                          <m:r>
-                            <a:rPr lang="en-US" i="1" smtClean="0">
-                              <a:latin typeface="Cambria Math" panose="02040503050406030204" pitchFamily="18" charset="0"/>
-                            </a:rPr>
-                            <m:t>𝑥</m:t>
-                          </m:r>
-                        </m:e>
-                      </m:d>
-                      <m:r>
-                        <a:rPr lang="en-US" i="1" smtClean="0">
-                          <a:latin typeface="Cambria Math" panose="02040503050406030204" pitchFamily="18" charset="0"/>
-                        </a:rPr>
-                        <m:t>=</m:t>
-                      </m:r>
-                      <m:d>
-                        <m:dPr>
-                          <m:begChr m:val="{"/>
-                          <m:endChr m:val=""/>
-                          <m:ctrlPr>
-                            <a:rPr lang="en-US" i="1" smtClean="0">
-                              <a:latin typeface="Cambria Math" panose="02040503050406030204" pitchFamily="18" charset="0"/>
-                            </a:rPr>
-                          </m:ctrlPr>
-                        </m:dPr>
-                        <m:e>
-                          <m:eqArr>
-                            <m:eqArrPr>
-                              <m:ctrlPr>
-                                <a:rPr lang="en-US" i="1" smtClean="0">
-                                  <a:latin typeface="Cambria Math" panose="02040503050406030204" pitchFamily="18" charset="0"/>
-                                </a:rPr>
-                              </m:ctrlPr>
-                            </m:eqArrPr>
-                            <m:e>
-                              <m:r>
-                                <m:rPr>
-                                  <m:sty m:val="p"/>
-                                </m:rPr>
-                                <a:rPr lang="en-US" b="0" i="1" smtClean="0">
-                                  <a:latin typeface="Cambria Math" panose="02040503050406030204" pitchFamily="18" charset="0"/>
-                                </a:rPr>
-                                <m:t>h</m:t>
-                              </m:r>
-                              <m:r>
-                                <a:rPr lang="en-US" b="0" i="1" smtClean="0">
-                                  <a:latin typeface="Cambria Math" panose="02040503050406030204" pitchFamily="18" charset="0"/>
-                                </a:rPr>
-                                <m:t>(</m:t>
-                              </m:r>
-                              <m:r>
-                                <m:rPr>
-                                  <m:sty m:val="p"/>
-                                </m:rPr>
-                                <a:rPr lang="en-US" b="0" i="1" smtClean="0">
-                                  <a:latin typeface="Cambria Math" panose="02040503050406030204" pitchFamily="18" charset="0"/>
-                                </a:rPr>
-                                <m:t>x</m:t>
-                              </m:r>
-                              <m:r>
-                                <a:rPr lang="en-US" b="0" i="1" smtClean="0">
-                                  <a:latin typeface="Cambria Math" panose="02040503050406030204" pitchFamily="18" charset="0"/>
-                                </a:rPr>
-                                <m:t>),  </m:t>
-                              </m:r>
-                              <m:r>
-                                <m:rPr>
-                                  <m:sty m:val="p"/>
-                                </m:rPr>
-                                <a:rPr lang="en-US" b="0" i="1" smtClean="0">
-                                  <a:latin typeface="Cambria Math" panose="02040503050406030204" pitchFamily="18" charset="0"/>
-                                </a:rPr>
-                                <m:t>h</m:t>
-                              </m:r>
-                              <m:r>
-                                <a:rPr lang="en-US" b="0" i="1" smtClean="0">
-                                  <a:latin typeface="Cambria Math" panose="02040503050406030204" pitchFamily="18" charset="0"/>
-                                </a:rPr>
-                                <m:t>(</m:t>
-                              </m:r>
-                              <m:r>
-                                <m:rPr>
-                                  <m:sty m:val="p"/>
-                                </m:rPr>
-                                <a:rPr lang="en-US" b="0" i="1" smtClean="0">
-                                  <a:latin typeface="Cambria Math" panose="02040503050406030204" pitchFamily="18" charset="0"/>
-                                </a:rPr>
-                                <m:t>x</m:t>
-                              </m:r>
-                              <m:r>
-                                <a:rPr lang="en-US" b="0" i="1" smtClean="0">
-                                  <a:latin typeface="Cambria Math" panose="02040503050406030204" pitchFamily="18" charset="0"/>
-                                </a:rPr>
-                                <m:t>) ≠0.5</m:t>
-                              </m:r>
-                            </m:e>
-                            <m:e>
-                              <m:r>
-                                <a:rPr lang="en-US" i="1" smtClean="0">
-                                  <a:latin typeface="Cambria Math" panose="02040503050406030204" pitchFamily="18" charset="0"/>
-                                </a:rPr>
-                                <m:t>&amp;</m:t>
-                              </m:r>
-                              <m:r>
-                                <a:rPr lang="en-US" b="0" i="1" smtClean="0">
-                                  <a:latin typeface="Cambria Math" panose="02040503050406030204" pitchFamily="18" charset="0"/>
-                                </a:rPr>
-                                <m:t>0</m:t>
-                              </m:r>
-                              <m:r>
-                                <a:rPr lang="en-US" i="1" smtClean="0">
-                                  <a:latin typeface="Cambria Math" panose="02040503050406030204" pitchFamily="18" charset="0"/>
-                                </a:rPr>
-                                <m:t>,  </m:t>
-                              </m:r>
-                              <m:r>
-                                <m:rPr>
-                                  <m:sty m:val="p"/>
-                                </m:rPr>
-                                <a:rPr lang="en-US" b="0" i="1" smtClean="0">
-                                  <a:latin typeface="Cambria Math" panose="02040503050406030204" pitchFamily="18" charset="0"/>
-                                </a:rPr>
-                                <m:t>h</m:t>
-                              </m:r>
-                              <m:r>
-                                <a:rPr lang="en-US" b="0" i="1" smtClean="0">
-                                  <a:latin typeface="Cambria Math" panose="02040503050406030204" pitchFamily="18" charset="0"/>
-                                </a:rPr>
-                                <m:t>(</m:t>
-                              </m:r>
-                              <m:r>
-                                <m:rPr>
-                                  <m:sty m:val="p"/>
-                                </m:rPr>
-                                <a:rPr lang="en-US" b="0" i="1" smtClean="0">
-                                  <a:latin typeface="Cambria Math" panose="02040503050406030204" pitchFamily="18" charset="0"/>
-                                </a:rPr>
-                                <m:t>x</m:t>
-                              </m:r>
-                              <m:r>
-                                <a:rPr lang="en-US" b="0" i="1" smtClean="0">
-                                  <a:latin typeface="Cambria Math" panose="02040503050406030204" pitchFamily="18" charset="0"/>
-                                </a:rPr>
-                                <m:t>) = 0</m:t>
-                              </m:r>
-                            </m:e>
-                          </m:eqArr>
-                        </m:e>
-                      </m:d>
-                    </m:oMath>
-                  </m:oMathPara>
-                </a14:m>
-                <a:endParaRPr lang="en-US" dirty="0"/>
-              </a:p>
             </p:txBody>
           </p:sp>
         </mc:Choice>
-        <mc:Fallback xmlns="">
+        <mc:Fallback>
           <p:sp>
             <p:nvSpPr>
               <p:cNvPr id="4" name="Text Placeholder 3">
@@ -15544,7 +15271,7 @@
               <a:blipFill>
                 <a:blip r:embed="rId3"/>
                 <a:stretch>
-                  <a:fillRect l="-965" t="-3488" b="-62791"/>
+                  <a:fillRect l="-1086" t="-2326"/>
                 </a:stretch>
               </a:blipFill>
             </p:spPr>
@@ -15639,7 +15366,12 @@
                 <p:ph idx="1"/>
               </p:nvPr>
             </p:nvSpPr>
-            <p:spPr/>
+            <p:spPr>
+              <a:xfrm>
+                <a:off x="838200" y="2490603"/>
+                <a:ext cx="10515600" cy="3686360"/>
+              </a:xfrm>
+            </p:spPr>
             <p:txBody>
               <a:bodyPr/>
               <a:lstStyle/>
@@ -15647,176 +15379,6 @@
                 <a:pPr marL="0" indent="0">
                   <a:buNone/>
                 </a:pPr>
-                <a14:m>
-                  <m:oMathPara xmlns:m="http://schemas.openxmlformats.org/officeDocument/2006/math">
-                    <m:oMathParaPr>
-                      <m:jc m:val="centerGroup"/>
-                    </m:oMathParaPr>
-                    <m:oMath xmlns:m="http://schemas.openxmlformats.org/officeDocument/2006/math">
-                      <m:r>
-                        <a:rPr lang="en-US" i="1">
-                          <a:latin typeface="Cambria Math" panose="02040503050406030204" pitchFamily="18" charset="0"/>
-                        </a:rPr>
-                        <m:t>h</m:t>
-                      </m:r>
-                      <m:d>
-                        <m:dPr>
-                          <m:ctrlPr>
-                            <a:rPr lang="en-US" i="1">
-                              <a:latin typeface="Cambria Math" panose="02040503050406030204" pitchFamily="18" charset="0"/>
-                            </a:rPr>
-                          </m:ctrlPr>
-                        </m:dPr>
-                        <m:e>
-                          <m:r>
-                            <a:rPr lang="en-US" i="1">
-                              <a:latin typeface="Cambria Math" panose="02040503050406030204" pitchFamily="18" charset="0"/>
-                            </a:rPr>
-                            <m:t>𝑥</m:t>
-                          </m:r>
-                        </m:e>
-                      </m:d>
-                      <m:r>
-                        <a:rPr lang="en-US" i="1">
-                          <a:latin typeface="Cambria Math" panose="02040503050406030204" pitchFamily="18" charset="0"/>
-                        </a:rPr>
-                        <m:t>=</m:t>
-                      </m:r>
-                      <m:f>
-                        <m:fPr>
-                          <m:ctrlPr>
-                            <a:rPr lang="en-US" i="1">
-                              <a:latin typeface="Cambria Math" panose="02040503050406030204" pitchFamily="18" charset="0"/>
-                            </a:rPr>
-                          </m:ctrlPr>
-                        </m:fPr>
-                        <m:num>
-                          <m:nary>
-                            <m:naryPr>
-                              <m:chr m:val="∑"/>
-                              <m:ctrlPr>
-                                <a:rPr lang="en-US" i="1">
-                                  <a:latin typeface="Cambria Math" panose="02040503050406030204" pitchFamily="18" charset="0"/>
-                                </a:rPr>
-                              </m:ctrlPr>
-                            </m:naryPr>
-                            <m:sub>
-                              <m:r>
-                                <m:rPr>
-                                  <m:sty m:val="p"/>
-                                  <m:brk m:alnAt="23"/>
-                                </m:rPr>
-                                <a:rPr lang="en-US" i="1">
-                                  <a:latin typeface="Cambria Math" panose="02040503050406030204" pitchFamily="18" charset="0"/>
-                                </a:rPr>
-                                <m:t>i</m:t>
-                              </m:r>
-                              <m:r>
-                                <a:rPr lang="en-US" i="1">
-                                  <a:latin typeface="Cambria Math" panose="02040503050406030204" pitchFamily="18" charset="0"/>
-                                </a:rPr>
-                                <m:t>=0</m:t>
-                              </m:r>
-                            </m:sub>
-                            <m:sup>
-                              <m:r>
-                                <m:rPr>
-                                  <m:sty m:val="p"/>
-                                </m:rPr>
-                                <a:rPr lang="en-US" i="1">
-                                  <a:latin typeface="Cambria Math" panose="02040503050406030204" pitchFamily="18" charset="0"/>
-                                </a:rPr>
-                                <m:t>n</m:t>
-                              </m:r>
-                            </m:sup>
-                            <m:e>
-                              <m:d>
-                                <m:dPr>
-                                  <m:begChr m:val="|"/>
-                                  <m:endChr m:val="|"/>
-                                  <m:ctrlPr>
-                                    <a:rPr lang="en-US" i="1">
-                                      <a:latin typeface="Cambria Math" panose="02040503050406030204" pitchFamily="18" charset="0"/>
-                                    </a:rPr>
-                                  </m:ctrlPr>
-                                </m:dPr>
-                                <m:e>
-                                  <m:sSub>
-                                    <m:sSubPr>
-                                      <m:ctrlPr>
-                                        <a:rPr lang="en-US" i="1">
-                                          <a:latin typeface="Cambria Math" panose="02040503050406030204" pitchFamily="18" charset="0"/>
-                                        </a:rPr>
-                                      </m:ctrlPr>
-                                    </m:sSubPr>
-                                    <m:e>
-                                      <m:r>
-                                        <a:rPr lang="en-US" i="1">
-                                          <a:latin typeface="Cambria Math" panose="02040503050406030204" pitchFamily="18" charset="0"/>
-                                        </a:rPr>
-                                        <m:t>𝑣</m:t>
-                                      </m:r>
-                                    </m:e>
-                                    <m:sub>
-                                      <m:r>
-                                        <a:rPr lang="en-US" i="1">
-                                          <a:latin typeface="Cambria Math" panose="02040503050406030204" pitchFamily="18" charset="0"/>
-                                        </a:rPr>
-                                        <m:t>𝑖</m:t>
-                                      </m:r>
-                                    </m:sub>
-                                  </m:sSub>
-                                  <m:r>
-                                    <a:rPr lang="en-US" i="1">
-                                      <a:latin typeface="Cambria Math" panose="02040503050406030204" pitchFamily="18" charset="0"/>
-                                    </a:rPr>
-                                    <m:t>−</m:t>
-                                  </m:r>
-                                  <m:sSub>
-                                    <m:sSubPr>
-                                      <m:ctrlPr>
-                                        <a:rPr lang="en-US" i="1">
-                                          <a:latin typeface="Cambria Math" panose="02040503050406030204" pitchFamily="18" charset="0"/>
-                                        </a:rPr>
-                                      </m:ctrlPr>
-                                    </m:sSubPr>
-                                    <m:e>
-                                      <m:r>
-                                        <a:rPr lang="en-US" i="1">
-                                          <a:latin typeface="Cambria Math" panose="02040503050406030204" pitchFamily="18" charset="0"/>
-                                        </a:rPr>
-                                        <m:t>𝑡</m:t>
-                                      </m:r>
-                                    </m:e>
-                                    <m:sub>
-                                      <m:r>
-                                        <a:rPr lang="en-US" i="1">
-                                          <a:latin typeface="Cambria Math" panose="02040503050406030204" pitchFamily="18" charset="0"/>
-                                        </a:rPr>
-                                        <m:t>𝑖</m:t>
-                                      </m:r>
-                                    </m:sub>
-                                  </m:sSub>
-                                </m:e>
-                              </m:d>
-                            </m:e>
-                          </m:nary>
-                        </m:num>
-                        <m:den>
-                          <m:r>
-                            <m:rPr>
-                              <m:sty m:val="p"/>
-                            </m:rPr>
-                            <a:rPr lang="en-US" i="1">
-                              <a:latin typeface="Cambria Math" panose="02040503050406030204" pitchFamily="18" charset="0"/>
-                            </a:rPr>
-                            <m:t>n</m:t>
-                          </m:r>
-                        </m:den>
-                      </m:f>
-                    </m:oMath>
-                  </m:oMathPara>
-                </a14:m>
                 <a:endParaRPr lang="en-US" dirty="0"/>
               </a:p>
               <a:p>
@@ -15878,65 +15440,287 @@
                               </m:ctrlPr>
                             </m:eqArrPr>
                             <m:e>
-                              <m:r>
-                                <m:rPr>
-                                  <m:sty m:val="p"/>
-                                </m:rPr>
-                                <a:rPr lang="en-US" i="1">
-                                  <a:latin typeface="Cambria Math" panose="02040503050406030204" pitchFamily="18" charset="0"/>
-                                </a:rPr>
-                                <m:t>h</m:t>
-                              </m:r>
+                              <m:f>
+                                <m:fPr>
+                                  <m:ctrlPr>
+                                    <a:rPr lang="en-US" i="1">
+                                      <a:latin typeface="Cambria Math" panose="02040503050406030204" pitchFamily="18" charset="0"/>
+                                    </a:rPr>
+                                  </m:ctrlPr>
+                                </m:fPr>
+                                <m:num>
+                                  <m:nary>
+                                    <m:naryPr>
+                                      <m:chr m:val="∑"/>
+                                      <m:ctrlPr>
+                                        <a:rPr lang="en-US" i="1">
+                                          <a:latin typeface="Cambria Math" panose="02040503050406030204" pitchFamily="18" charset="0"/>
+                                        </a:rPr>
+                                      </m:ctrlPr>
+                                    </m:naryPr>
+                                    <m:sub>
+                                      <m:r>
+                                        <m:rPr>
+                                          <m:sty m:val="p"/>
+                                          <m:brk m:alnAt="23"/>
+                                        </m:rPr>
+                                        <a:rPr lang="en-US" i="1">
+                                          <a:latin typeface="Cambria Math" panose="02040503050406030204" pitchFamily="18" charset="0"/>
+                                        </a:rPr>
+                                        <m:t>i</m:t>
+                                      </m:r>
+                                      <m:r>
+                                        <a:rPr lang="en-US" i="1">
+                                          <a:latin typeface="Cambria Math" panose="02040503050406030204" pitchFamily="18" charset="0"/>
+                                        </a:rPr>
+                                        <m:t>=0</m:t>
+                                      </m:r>
+                                    </m:sub>
+                                    <m:sup>
+                                      <m:r>
+                                        <m:rPr>
+                                          <m:sty m:val="p"/>
+                                        </m:rPr>
+                                        <a:rPr lang="en-US" i="1">
+                                          <a:latin typeface="Cambria Math" panose="02040503050406030204" pitchFamily="18" charset="0"/>
+                                        </a:rPr>
+                                        <m:t>n</m:t>
+                                      </m:r>
+                                    </m:sup>
+                                    <m:e>
+                                      <m:d>
+                                        <m:dPr>
+                                          <m:begChr m:val="|"/>
+                                          <m:endChr m:val="|"/>
+                                          <m:ctrlPr>
+                                            <a:rPr lang="en-US" i="1">
+                                              <a:latin typeface="Cambria Math" panose="02040503050406030204" pitchFamily="18" charset="0"/>
+                                            </a:rPr>
+                                          </m:ctrlPr>
+                                        </m:dPr>
+                                        <m:e>
+                                          <m:sSub>
+                                            <m:sSubPr>
+                                              <m:ctrlPr>
+                                                <a:rPr lang="en-US" i="1">
+                                                  <a:latin typeface="Cambria Math" panose="02040503050406030204" pitchFamily="18" charset="0"/>
+                                                </a:rPr>
+                                              </m:ctrlPr>
+                                            </m:sSubPr>
+                                            <m:e>
+                                              <m:r>
+                                                <a:rPr lang="en-US" i="1">
+                                                  <a:latin typeface="Cambria Math" panose="02040503050406030204" pitchFamily="18" charset="0"/>
+                                                </a:rPr>
+                                                <m:t>𝑣</m:t>
+                                              </m:r>
+                                            </m:e>
+                                            <m:sub>
+                                              <m:r>
+                                                <a:rPr lang="en-US" i="1">
+                                                  <a:latin typeface="Cambria Math" panose="02040503050406030204" pitchFamily="18" charset="0"/>
+                                                </a:rPr>
+                                                <m:t>𝑖</m:t>
+                                              </m:r>
+                                            </m:sub>
+                                          </m:sSub>
+                                          <m:r>
+                                            <a:rPr lang="en-US" i="1">
+                                              <a:latin typeface="Cambria Math" panose="02040503050406030204" pitchFamily="18" charset="0"/>
+                                            </a:rPr>
+                                            <m:t>−</m:t>
+                                          </m:r>
+                                          <m:sSub>
+                                            <m:sSubPr>
+                                              <m:ctrlPr>
+                                                <a:rPr lang="en-US" i="1">
+                                                  <a:latin typeface="Cambria Math" panose="02040503050406030204" pitchFamily="18" charset="0"/>
+                                                </a:rPr>
+                                              </m:ctrlPr>
+                                            </m:sSubPr>
+                                            <m:e>
+                                              <m:r>
+                                                <a:rPr lang="en-US" i="1">
+                                                  <a:latin typeface="Cambria Math" panose="02040503050406030204" pitchFamily="18" charset="0"/>
+                                                </a:rPr>
+                                                <m:t>𝑡</m:t>
+                                              </m:r>
+                                            </m:e>
+                                            <m:sub>
+                                              <m:r>
+                                                <a:rPr lang="en-US" i="1">
+                                                  <a:latin typeface="Cambria Math" panose="02040503050406030204" pitchFamily="18" charset="0"/>
+                                                </a:rPr>
+                                                <m:t>𝑖</m:t>
+                                              </m:r>
+                                            </m:sub>
+                                          </m:sSub>
+                                        </m:e>
+                                      </m:d>
+                                    </m:e>
+                                  </m:nary>
+                                </m:num>
+                                <m:den>
+                                  <m:r>
+                                    <m:rPr>
+                                      <m:sty m:val="p"/>
+                                    </m:rPr>
+                                    <a:rPr lang="en-US" i="1">
+                                      <a:latin typeface="Cambria Math" panose="02040503050406030204" pitchFamily="18" charset="0"/>
+                                    </a:rPr>
+                                    <m:t>n</m:t>
+                                  </m:r>
+                                </m:den>
+                              </m:f>
                               <m:r>
                                 <a:rPr lang="en-US" i="1">
                                   <a:latin typeface="Cambria Math" panose="02040503050406030204" pitchFamily="18" charset="0"/>
                                 </a:rPr>
-                                <m:t>(</m:t>
+                                <m:t>,</m:t>
                               </m:r>
                               <m:r>
-                                <m:rPr>
-                                  <m:sty m:val="p"/>
-                                </m:rPr>
-                                <a:rPr lang="en-US" i="1">
+                                <a:rPr lang="en-US" b="0" i="1" smtClean="0">
                                   <a:latin typeface="Cambria Math" panose="02040503050406030204" pitchFamily="18" charset="0"/>
                                 </a:rPr>
-                                <m:t>x</m:t>
+                                <m:t>   </m:t>
                               </m:r>
+                              <m:f>
+                                <m:fPr>
+                                  <m:ctrlPr>
+                                    <a:rPr lang="en-US" i="1">
+                                      <a:latin typeface="Cambria Math" panose="02040503050406030204" pitchFamily="18" charset="0"/>
+                                    </a:rPr>
+                                  </m:ctrlPr>
+                                </m:fPr>
+                                <m:num>
+                                  <m:nary>
+                                    <m:naryPr>
+                                      <m:chr m:val="∑"/>
+                                      <m:ctrlPr>
+                                        <a:rPr lang="en-US" i="1">
+                                          <a:latin typeface="Cambria Math" panose="02040503050406030204" pitchFamily="18" charset="0"/>
+                                        </a:rPr>
+                                      </m:ctrlPr>
+                                    </m:naryPr>
+                                    <m:sub>
+                                      <m:r>
+                                        <m:rPr>
+                                          <m:sty m:val="p"/>
+                                          <m:brk m:alnAt="23"/>
+                                        </m:rPr>
+                                        <a:rPr lang="en-US" i="1">
+                                          <a:latin typeface="Cambria Math" panose="02040503050406030204" pitchFamily="18" charset="0"/>
+                                        </a:rPr>
+                                        <m:t>i</m:t>
+                                      </m:r>
+                                      <m:r>
+                                        <a:rPr lang="en-US" i="1">
+                                          <a:latin typeface="Cambria Math" panose="02040503050406030204" pitchFamily="18" charset="0"/>
+                                        </a:rPr>
+                                        <m:t>=0</m:t>
+                                      </m:r>
+                                    </m:sub>
+                                    <m:sup>
+                                      <m:r>
+                                        <m:rPr>
+                                          <m:sty m:val="p"/>
+                                        </m:rPr>
+                                        <a:rPr lang="en-US" i="1">
+                                          <a:latin typeface="Cambria Math" panose="02040503050406030204" pitchFamily="18" charset="0"/>
+                                        </a:rPr>
+                                        <m:t>n</m:t>
+                                      </m:r>
+                                    </m:sup>
+                                    <m:e>
+                                      <m:d>
+                                        <m:dPr>
+                                          <m:begChr m:val="|"/>
+                                          <m:endChr m:val="|"/>
+                                          <m:ctrlPr>
+                                            <a:rPr lang="en-US" i="1">
+                                              <a:latin typeface="Cambria Math" panose="02040503050406030204" pitchFamily="18" charset="0"/>
+                                            </a:rPr>
+                                          </m:ctrlPr>
+                                        </m:dPr>
+                                        <m:e>
+                                          <m:sSub>
+                                            <m:sSubPr>
+                                              <m:ctrlPr>
+                                                <a:rPr lang="en-US" i="1">
+                                                  <a:latin typeface="Cambria Math" panose="02040503050406030204" pitchFamily="18" charset="0"/>
+                                                </a:rPr>
+                                              </m:ctrlPr>
+                                            </m:sSubPr>
+                                            <m:e>
+                                              <m:r>
+                                                <a:rPr lang="en-US" i="1">
+                                                  <a:latin typeface="Cambria Math" panose="02040503050406030204" pitchFamily="18" charset="0"/>
+                                                </a:rPr>
+                                                <m:t>𝑣</m:t>
+                                              </m:r>
+                                            </m:e>
+                                            <m:sub>
+                                              <m:r>
+                                                <a:rPr lang="en-US" i="1">
+                                                  <a:latin typeface="Cambria Math" panose="02040503050406030204" pitchFamily="18" charset="0"/>
+                                                </a:rPr>
+                                                <m:t>𝑖</m:t>
+                                              </m:r>
+                                            </m:sub>
+                                          </m:sSub>
+                                          <m:r>
+                                            <a:rPr lang="en-US" i="1">
+                                              <a:latin typeface="Cambria Math" panose="02040503050406030204" pitchFamily="18" charset="0"/>
+                                            </a:rPr>
+                                            <m:t>−</m:t>
+                                          </m:r>
+                                          <m:sSub>
+                                            <m:sSubPr>
+                                              <m:ctrlPr>
+                                                <a:rPr lang="en-US" i="1">
+                                                  <a:latin typeface="Cambria Math" panose="02040503050406030204" pitchFamily="18" charset="0"/>
+                                                </a:rPr>
+                                              </m:ctrlPr>
+                                            </m:sSubPr>
+                                            <m:e>
+                                              <m:r>
+                                                <a:rPr lang="en-US" i="1">
+                                                  <a:latin typeface="Cambria Math" panose="02040503050406030204" pitchFamily="18" charset="0"/>
+                                                </a:rPr>
+                                                <m:t>𝑡</m:t>
+                                              </m:r>
+                                            </m:e>
+                                            <m:sub>
+                                              <m:r>
+                                                <a:rPr lang="en-US" i="1">
+                                                  <a:latin typeface="Cambria Math" panose="02040503050406030204" pitchFamily="18" charset="0"/>
+                                                </a:rPr>
+                                                <m:t>𝑖</m:t>
+                                              </m:r>
+                                            </m:sub>
+                                          </m:sSub>
+                                        </m:e>
+                                      </m:d>
+                                    </m:e>
+                                  </m:nary>
+                                </m:num>
+                                <m:den>
+                                  <m:r>
+                                    <m:rPr>
+                                      <m:sty m:val="p"/>
+                                    </m:rPr>
+                                    <a:rPr lang="en-US" i="1">
+                                      <a:latin typeface="Cambria Math" panose="02040503050406030204" pitchFamily="18" charset="0"/>
+                                    </a:rPr>
+                                    <m:t>n</m:t>
+                                  </m:r>
+                                </m:den>
+                              </m:f>
                               <m:r>
                                 <a:rPr lang="en-US" i="1">
                                   <a:latin typeface="Cambria Math" panose="02040503050406030204" pitchFamily="18" charset="0"/>
                                 </a:rPr>
-                                <m:t>),  </m:t>
-                              </m:r>
-                              <m:r>
-                                <m:rPr>
-                                  <m:sty m:val="p"/>
-                                </m:rPr>
-                                <a:rPr lang="en-US" i="1">
-                                  <a:latin typeface="Cambria Math" panose="02040503050406030204" pitchFamily="18" charset="0"/>
-                                </a:rPr>
-                                <m:t>h</m:t>
-                              </m:r>
-                              <m:r>
-                                <a:rPr lang="en-US" i="1">
-                                  <a:latin typeface="Cambria Math" panose="02040503050406030204" pitchFamily="18" charset="0"/>
-                                </a:rPr>
-                                <m:t>(</m:t>
-                              </m:r>
-                              <m:r>
-                                <m:rPr>
-                                  <m:sty m:val="p"/>
-                                </m:rPr>
-                                <a:rPr lang="en-US" i="1">
-                                  <a:latin typeface="Cambria Math" panose="02040503050406030204" pitchFamily="18" charset="0"/>
-                                </a:rPr>
-                                <m:t>x</m:t>
-                              </m:r>
-                              <m:r>
-                                <a:rPr lang="en-US" i="1">
-                                  <a:latin typeface="Cambria Math" panose="02040503050406030204" pitchFamily="18" charset="0"/>
-                                </a:rPr>
-                                <m:t>) ≠0.5</m:t>
+                                <m:t>≠0.5</m:t>
                               </m:r>
                             </m:e>
                             <m:e>
@@ -15944,37 +15728,157 @@
                                 <a:rPr lang="en-US" i="1">
                                   <a:latin typeface="Cambria Math" panose="02040503050406030204" pitchFamily="18" charset="0"/>
                                 </a:rPr>
-                                <m:t>&amp;0,  </m:t>
+                                <m:t>&amp;0,</m:t>
                               </m:r>
                               <m:r>
-                                <m:rPr>
-                                  <m:sty m:val="p"/>
-                                </m:rPr>
-                                <a:rPr lang="en-US" i="1">
+                                <a:rPr lang="en-US" b="0" i="1" smtClean="0">
                                   <a:latin typeface="Cambria Math" panose="02040503050406030204" pitchFamily="18" charset="0"/>
                                 </a:rPr>
-                                <m:t>h</m:t>
+                                <m:t>                         </m:t>
                               </m:r>
+                              <m:f>
+                                <m:fPr>
+                                  <m:ctrlPr>
+                                    <a:rPr lang="en-US" i="1">
+                                      <a:latin typeface="Cambria Math" panose="02040503050406030204" pitchFamily="18" charset="0"/>
+                                    </a:rPr>
+                                  </m:ctrlPr>
+                                </m:fPr>
+                                <m:num>
+                                  <m:nary>
+                                    <m:naryPr>
+                                      <m:chr m:val="∑"/>
+                                      <m:ctrlPr>
+                                        <a:rPr lang="en-US" i="1">
+                                          <a:latin typeface="Cambria Math" panose="02040503050406030204" pitchFamily="18" charset="0"/>
+                                        </a:rPr>
+                                      </m:ctrlPr>
+                                    </m:naryPr>
+                                    <m:sub>
+                                      <m:r>
+                                        <m:rPr>
+                                          <m:sty m:val="p"/>
+                                          <m:brk m:alnAt="23"/>
+                                        </m:rPr>
+                                        <a:rPr lang="en-US" i="1">
+                                          <a:latin typeface="Cambria Math" panose="02040503050406030204" pitchFamily="18" charset="0"/>
+                                        </a:rPr>
+                                        <m:t>i</m:t>
+                                      </m:r>
+                                      <m:r>
+                                        <a:rPr lang="en-US" i="1">
+                                          <a:latin typeface="Cambria Math" panose="02040503050406030204" pitchFamily="18" charset="0"/>
+                                        </a:rPr>
+                                        <m:t>=0</m:t>
+                                      </m:r>
+                                    </m:sub>
+                                    <m:sup>
+                                      <m:r>
+                                        <m:rPr>
+                                          <m:sty m:val="p"/>
+                                        </m:rPr>
+                                        <a:rPr lang="en-US" i="1">
+                                          <a:latin typeface="Cambria Math" panose="02040503050406030204" pitchFamily="18" charset="0"/>
+                                        </a:rPr>
+                                        <m:t>n</m:t>
+                                      </m:r>
+                                    </m:sup>
+                                    <m:e>
+                                      <m:d>
+                                        <m:dPr>
+                                          <m:begChr m:val="|"/>
+                                          <m:endChr m:val="|"/>
+                                          <m:ctrlPr>
+                                            <a:rPr lang="en-US" i="1">
+                                              <a:latin typeface="Cambria Math" panose="02040503050406030204" pitchFamily="18" charset="0"/>
+                                            </a:rPr>
+                                          </m:ctrlPr>
+                                        </m:dPr>
+                                        <m:e>
+                                          <m:sSub>
+                                            <m:sSubPr>
+                                              <m:ctrlPr>
+                                                <a:rPr lang="en-US" i="1">
+                                                  <a:latin typeface="Cambria Math" panose="02040503050406030204" pitchFamily="18" charset="0"/>
+                                                </a:rPr>
+                                              </m:ctrlPr>
+                                            </m:sSubPr>
+                                            <m:e>
+                                              <m:r>
+                                                <a:rPr lang="en-US" i="1">
+                                                  <a:latin typeface="Cambria Math" panose="02040503050406030204" pitchFamily="18" charset="0"/>
+                                                </a:rPr>
+                                                <m:t>𝑣</m:t>
+                                              </m:r>
+                                            </m:e>
+                                            <m:sub>
+                                              <m:r>
+                                                <a:rPr lang="en-US" i="1">
+                                                  <a:latin typeface="Cambria Math" panose="02040503050406030204" pitchFamily="18" charset="0"/>
+                                                </a:rPr>
+                                                <m:t>𝑖</m:t>
+                                              </m:r>
+                                            </m:sub>
+                                          </m:sSub>
+                                          <m:r>
+                                            <a:rPr lang="en-US" i="1">
+                                              <a:latin typeface="Cambria Math" panose="02040503050406030204" pitchFamily="18" charset="0"/>
+                                            </a:rPr>
+                                            <m:t>−</m:t>
+                                          </m:r>
+                                          <m:sSub>
+                                            <m:sSubPr>
+                                              <m:ctrlPr>
+                                                <a:rPr lang="en-US" i="1">
+                                                  <a:latin typeface="Cambria Math" panose="02040503050406030204" pitchFamily="18" charset="0"/>
+                                                </a:rPr>
+                                              </m:ctrlPr>
+                                            </m:sSubPr>
+                                            <m:e>
+                                              <m:r>
+                                                <a:rPr lang="en-US" i="1">
+                                                  <a:latin typeface="Cambria Math" panose="02040503050406030204" pitchFamily="18" charset="0"/>
+                                                </a:rPr>
+                                                <m:t>𝑡</m:t>
+                                              </m:r>
+                                            </m:e>
+                                            <m:sub>
+                                              <m:r>
+                                                <a:rPr lang="en-US" i="1">
+                                                  <a:latin typeface="Cambria Math" panose="02040503050406030204" pitchFamily="18" charset="0"/>
+                                                </a:rPr>
+                                                <m:t>𝑖</m:t>
+                                              </m:r>
+                                            </m:sub>
+                                          </m:sSub>
+                                        </m:e>
+                                      </m:d>
+                                    </m:e>
+                                  </m:nary>
+                                </m:num>
+                                <m:den>
+                                  <m:r>
+                                    <m:rPr>
+                                      <m:sty m:val="p"/>
+                                    </m:rPr>
+                                    <a:rPr lang="en-US" i="1">
+                                      <a:latin typeface="Cambria Math" panose="02040503050406030204" pitchFamily="18" charset="0"/>
+                                    </a:rPr>
+                                    <m:t>n</m:t>
+                                  </m:r>
+                                </m:den>
+                              </m:f>
                               <m:r>
                                 <a:rPr lang="en-US" i="1">
                                   <a:latin typeface="Cambria Math" panose="02040503050406030204" pitchFamily="18" charset="0"/>
                                 </a:rPr>
-                                <m:t>(</m:t>
+                                <m:t>= 0</m:t>
                               </m:r>
                               <m:r>
-                                <m:rPr>
-                                  <m:sty m:val="p"/>
-                                </m:rPr>
-                                <a:rPr lang="en-US" i="1">
+                                <a:rPr lang="en-US" b="0" i="1" smtClean="0">
                                   <a:latin typeface="Cambria Math" panose="02040503050406030204" pitchFamily="18" charset="0"/>
                                 </a:rPr>
-                                <m:t>x</m:t>
-                              </m:r>
-                              <m:r>
-                                <a:rPr lang="en-US" i="1">
-                                  <a:latin typeface="Cambria Math" panose="02040503050406030204" pitchFamily="18" charset="0"/>
-                                </a:rPr>
-                                <m:t>) = 0</m:t>
+                                <m:t>.5</m:t>
                               </m:r>
                             </m:e>
                           </m:eqArr>
@@ -16006,10 +15910,14 @@
               </p:nvPr>
             </p:nvSpPr>
             <p:spPr>
+              <a:xfrm>
+                <a:off x="838200" y="2490603"/>
+                <a:ext cx="10515600" cy="3686360"/>
+              </a:xfrm>
               <a:blipFill>
                 <a:blip r:embed="rId2"/>
                 <a:stretch>
-                  <a:fillRect t="-33430" b="-11337"/>
+                  <a:fillRect t="-9622"/>
                 </a:stretch>
               </a:blipFill>
             </p:spPr>
@@ -16313,6 +16221,116 @@
       </p:grpSpPr>
       <p:sp>
         <p:nvSpPr>
+          <p:cNvPr id="2" name="Title 1">
+            <a:extLst>
+              <a:ext uri="{FF2B5EF4-FFF2-40B4-BE49-F238E27FC236}">
+                <a16:creationId xmlns:a16="http://schemas.microsoft.com/office/drawing/2014/main" id="{420D46CB-AEAA-DC2A-2229-26E938D78976}"/>
+              </a:ext>
+            </a:extLst>
+          </p:cNvPr>
+          <p:cNvSpPr>
+            <a:spLocks noGrp="1"/>
+          </p:cNvSpPr>
+          <p:nvPr>
+            <p:ph type="title"/>
+          </p:nvPr>
+        </p:nvSpPr>
+        <p:spPr/>
+        <p:txBody>
+          <a:bodyPr/>
+          <a:lstStyle/>
+          <a:p>
+            <a:r>
+              <a:rPr lang="en-US" dirty="0"/>
+              <a:t>Summary</a:t>
+            </a:r>
+          </a:p>
+        </p:txBody>
+      </p:sp>
+      <p:sp>
+        <p:nvSpPr>
+          <p:cNvPr id="3" name="Content Placeholder 2">
+            <a:extLst>
+              <a:ext uri="{FF2B5EF4-FFF2-40B4-BE49-F238E27FC236}">
+                <a16:creationId xmlns:a16="http://schemas.microsoft.com/office/drawing/2014/main" id="{DE291C00-A8B2-4A7D-3B77-DC578C10C44E}"/>
+              </a:ext>
+            </a:extLst>
+          </p:cNvPr>
+          <p:cNvSpPr>
+            <a:spLocks noGrp="1"/>
+          </p:cNvSpPr>
+          <p:nvPr>
+            <p:ph idx="1"/>
+          </p:nvPr>
+        </p:nvSpPr>
+        <p:spPr/>
+        <p:txBody>
+          <a:bodyPr/>
+          <a:lstStyle/>
+          <a:p>
+            <a:r>
+              <a:rPr lang="en-US" dirty="0"/>
+              <a:t>Bitstream Evolution applies to many fields including robotics and ML</a:t>
+            </a:r>
+          </a:p>
+          <a:p>
+            <a:r>
+              <a:rPr lang="en-US" dirty="0"/>
+              <a:t>Direct encoding directly modifies the bitstream</a:t>
+            </a:r>
+          </a:p>
+          <a:p>
+            <a:r>
+              <a:rPr lang="en-US" dirty="0"/>
+              <a:t>Indirect encoding modifies a genotype that gets turned into a bitstream</a:t>
+            </a:r>
+          </a:p>
+          <a:p>
+            <a:r>
+              <a:rPr lang="en-US" dirty="0"/>
+              <a:t>I hope to prove indirect encoding is significantly faster to evolve than direct encoding</a:t>
+            </a:r>
+          </a:p>
+          <a:p>
+            <a:r>
+              <a:rPr lang="en-US" dirty="0"/>
+              <a:t>I am currently running simulated experiments</a:t>
+            </a:r>
+          </a:p>
+        </p:txBody>
+      </p:sp>
+    </p:spTree>
+    <p:extLst>
+      <p:ext uri="{BB962C8B-B14F-4D97-AF65-F5344CB8AC3E}">
+        <p14:creationId xmlns:p14="http://schemas.microsoft.com/office/powerpoint/2010/main" val="1604732842"/>
+      </p:ext>
+    </p:extLst>
+  </p:cSld>
+  <p:clrMapOvr>
+    <a:masterClrMapping/>
+  </p:clrMapOvr>
+</p:sld>
+</file>
+
+<file path=ppt/slides/slide33.xml><?xml version="1.0" encoding="utf-8"?>
+<p:sld xmlns:a="http://schemas.openxmlformats.org/drawingml/2006/main" xmlns:r="http://schemas.openxmlformats.org/officeDocument/2006/relationships" xmlns:p="http://schemas.openxmlformats.org/presentationml/2006/main">
+  <p:cSld>
+    <p:spTree>
+      <p:nvGrpSpPr>
+        <p:cNvPr id="1" name=""/>
+        <p:cNvGrpSpPr/>
+        <p:nvPr/>
+      </p:nvGrpSpPr>
+      <p:grpSpPr>
+        <a:xfrm>
+          <a:off x="0" y="0"/>
+          <a:ext cx="0" cy="0"/>
+          <a:chOff x="0" y="0"/>
+          <a:chExt cx="0" cy="0"/>
+        </a:xfrm>
+      </p:grpSpPr>
+      <p:sp>
+        <p:nvSpPr>
           <p:cNvPr id="4" name="Title 3">
             <a:extLst>
               <a:ext uri="{FF2B5EF4-FFF2-40B4-BE49-F238E27FC236}">
@@ -16586,7 +16604,7 @@
             </a:r>
           </a:p>
           <a:p>
-            <a:pPr marL="742950" lvl="1" indent="-285750">
+            <a:pPr marL="1200150" lvl="2" indent="-285750">
               <a:buFont typeface="Arial" panose="020B0604020202020204" pitchFamily="34" charset="0"/>
               <a:buChar char="•"/>
             </a:pPr>
@@ -16596,7 +16614,7 @@
             </a:r>
           </a:p>
           <a:p>
-            <a:pPr marL="742950" lvl="1" indent="-285750">
+            <a:pPr marL="1200150" lvl="2" indent="-285750">
               <a:buFont typeface="Arial" panose="020B0604020202020204" pitchFamily="34" charset="0"/>
               <a:buChar char="•"/>
             </a:pPr>
